--- a/pptx/result/tmp.pptx
+++ b/pptx/result/tmp.pptx
@@ -3095,31 +3095,44 @@
             <a:spLocks noGrp="1"/>
           </p:cNvSpPr>
           <p:nvPr>
-            <p:ph type="title"/>
-          </p:nvPr>
-        </p:nvSpPr>
-        <p:spPr/>
-        <p:txBody>
-          <a:bodyPr/>
-          <a:lstStyle/>
-          <a:p>
-            <a:r>
-              <a:t>Adding a Table</a:t>
-            </a:r>
-          </a:p>
+            <p:ph type="ctrTitle"/>
+          </p:nvPr>
+        </p:nvSpPr>
+        <p:spPr/>
+        <p:txBody>
+          <a:bodyPr/>
+          <a:lstStyle/>
+          <a:p/>
+        </p:txBody>
+      </p:sp>
+      <p:sp>
+        <p:nvSpPr>
+          <p:cNvPr id="3" name="Subtitle 2"/>
+          <p:cNvSpPr>
+            <a:spLocks noGrp="1"/>
+          </p:cNvSpPr>
+          <p:nvPr>
+            <p:ph type="subTitle" idx="1"/>
+          </p:nvPr>
+        </p:nvSpPr>
+        <p:spPr/>
+        <p:txBody>
+          <a:bodyPr/>
+          <a:lstStyle/>
+          <a:p/>
         </p:txBody>
       </p:sp>
       <p:graphicFrame>
         <p:nvGraphicFramePr>
-          <p:cNvPr id="3" name="Table 2"/>
+          <p:cNvPr id="4" name="Table 3"/>
           <p:cNvGraphicFramePr>
             <a:graphicFrameLocks noGrp="1"/>
           </p:cNvGraphicFramePr>
           <p:nvPr/>
         </p:nvGraphicFramePr>
         <p:xfrm>
-          <a:off x="1828800" y="1828800"/>
-          <a:ext cx="24505920" cy="5486400"/>
+          <a:off x="0" y="0"/>
+          <a:ext cx="1323000" cy="914400"/>
         </p:xfrm>
         <a:graphic>
           <a:graphicData uri="http://schemas.openxmlformats.org/drawingml/2006/table">
@@ -3128,25 +3141,49 @@
                 <a:tableStyleId>{5C22544A-7EE6-4342-B048-85BDC9FD1C3A}</a:tableStyleId>
               </a:tblPr>
               <a:tblGrid>
-                <a:gridCol w="1828800"/>
-                <a:gridCol w="18288000"/>
-                <a:gridCol w="548640"/>
-                <a:gridCol w="548640"/>
-                <a:gridCol w="548640"/>
-                <a:gridCol w="548640"/>
-                <a:gridCol w="548640"/>
-                <a:gridCol w="548640"/>
-                <a:gridCol w="548640"/>
-                <a:gridCol w="548640"/>
+                <a:gridCol w="852000"/>
+                <a:gridCol w="471000"/>
               </a:tblGrid>
-              <a:tr h="548640">
+              <a:tr h="457200">
                 <a:tc>
                   <a:txBody>
                     <a:bodyPr/>
                     <a:lstStyle/>
                     <a:p>
+                      <a:pPr>
+                        <a:defRPr sz="1000"/>
+                      </a:pPr>
+                    </a:p>
+                  </a:txBody>
+                  <a:tcPr/>
+                </a:tc>
+                <a:tc>
+                  <a:txBody>
+                    <a:bodyPr/>
+                    <a:lstStyle/>
+                    <a:p>
+                      <a:pPr>
+                        <a:defRPr sz="1000"/>
+                      </a:pPr>
                       <a:r>
-                        <a:t>Cons</a:t>
+                        <a:t>PPE</a:t>
+                      </a:r>
+                    </a:p>
+                  </a:txBody>
+                  <a:tcPr/>
+                </a:tc>
+              </a:tr>
+              <a:tr h="457200">
+                <a:tc>
+                  <a:txBody>
+                    <a:bodyPr/>
+                    <a:lstStyle/>
+                    <a:p>
+                      <a:pPr>
+                        <a:defRPr sz="1000"/>
+                      </a:pPr>
+                      <a:r>
+                        <a:t>System</a:t>
                       </a:r>
                     </a:p>
                   </a:txBody>
@@ -3157,820 +3194,10 @@
                     <a:bodyPr/>
                     <a:lstStyle/>
                     <a:p>
-                      <a:r>
-                        <a:t>Pros</a:t>
-                      </a:r>
+                      <a:pPr>
+                        <a:defRPr sz="1000"/>
+                      </a:pPr>
                     </a:p>
-                  </a:txBody>
-                  <a:tcPr/>
-                </a:tc>
-                <a:tc>
-                  <a:txBody>
-                    <a:bodyPr/>
-                    <a:lstStyle/>
-                    <a:p/>
-                  </a:txBody>
-                  <a:tcPr/>
-                </a:tc>
-                <a:tc>
-                  <a:txBody>
-                    <a:bodyPr/>
-                    <a:lstStyle/>
-                    <a:p/>
-                  </a:txBody>
-                  <a:tcPr/>
-                </a:tc>
-                <a:tc>
-                  <a:txBody>
-                    <a:bodyPr/>
-                    <a:lstStyle/>
-                    <a:p/>
-                  </a:txBody>
-                  <a:tcPr/>
-                </a:tc>
-                <a:tc>
-                  <a:txBody>
-                    <a:bodyPr/>
-                    <a:lstStyle/>
-                    <a:p/>
-                  </a:txBody>
-                  <a:tcPr/>
-                </a:tc>
-                <a:tc>
-                  <a:txBody>
-                    <a:bodyPr/>
-                    <a:lstStyle/>
-                    <a:p/>
-                  </a:txBody>
-                  <a:tcPr/>
-                </a:tc>
-                <a:tc>
-                  <a:txBody>
-                    <a:bodyPr/>
-                    <a:lstStyle/>
-                    <a:p/>
-                  </a:txBody>
-                  <a:tcPr/>
-                </a:tc>
-                <a:tc>
-                  <a:txBody>
-                    <a:bodyPr/>
-                    <a:lstStyle/>
-                    <a:p/>
-                  </a:txBody>
-                  <a:tcPr/>
-                </a:tc>
-                <a:tc>
-                  <a:txBody>
-                    <a:bodyPr/>
-                    <a:lstStyle/>
-                    <a:p/>
-                  </a:txBody>
-                  <a:tcPr/>
-                </a:tc>
-              </a:tr>
-              <a:tr h="548640">
-                <a:tc>
-                  <a:txBody>
-                    <a:bodyPr/>
-                    <a:lstStyle/>
-                    <a:p>
-                      <a:r>
-                        <a:t>go down</a:t>
-                      </a:r>
-                    </a:p>
-                  </a:txBody>
-                  <a:tcPr/>
-                </a:tc>
-                <a:tc>
-                  <a:txBody>
-                    <a:bodyPr/>
-                    <a:lstStyle/>
-                    <a:p>
-                      <a:r>
-                        <a:t>go down together</a:t>
-                      </a:r>
-                    </a:p>
-                  </a:txBody>
-                  <a:tcPr/>
-                </a:tc>
-                <a:tc>
-                  <a:txBody>
-                    <a:bodyPr/>
-                    <a:lstStyle/>
-                    <a:p/>
-                  </a:txBody>
-                  <a:tcPr/>
-                </a:tc>
-                <a:tc>
-                  <a:txBody>
-                    <a:bodyPr/>
-                    <a:lstStyle/>
-                    <a:p/>
-                  </a:txBody>
-                  <a:tcPr/>
-                </a:tc>
-                <a:tc>
-                  <a:txBody>
-                    <a:bodyPr/>
-                    <a:lstStyle/>
-                    <a:p/>
-                  </a:txBody>
-                  <a:tcPr/>
-                </a:tc>
-                <a:tc>
-                  <a:txBody>
-                    <a:bodyPr/>
-                    <a:lstStyle/>
-                    <a:p/>
-                  </a:txBody>
-                  <a:tcPr/>
-                </a:tc>
-                <a:tc>
-                  <a:txBody>
-                    <a:bodyPr/>
-                    <a:lstStyle/>
-                    <a:p/>
-                  </a:txBody>
-                  <a:tcPr/>
-                </a:tc>
-                <a:tc>
-                  <a:txBody>
-                    <a:bodyPr/>
-                    <a:lstStyle/>
-                    <a:p/>
-                  </a:txBody>
-                  <a:tcPr/>
-                </a:tc>
-                <a:tc>
-                  <a:txBody>
-                    <a:bodyPr/>
-                    <a:lstStyle/>
-                    <a:p/>
-                  </a:txBody>
-                  <a:tcPr/>
-                </a:tc>
-                <a:tc>
-                  <a:txBody>
-                    <a:bodyPr/>
-                    <a:lstStyle/>
-                    <a:p/>
-                  </a:txBody>
-                  <a:tcPr/>
-                </a:tc>
-              </a:tr>
-              <a:tr h="548640">
-                <a:tc>
-                  <a:txBody>
-                    <a:bodyPr/>
-                    <a:lstStyle/>
-                    <a:p/>
-                  </a:txBody>
-                  <a:tcPr/>
-                </a:tc>
-                <a:tc>
-                  <a:txBody>
-                    <a:bodyPr/>
-                    <a:lstStyle/>
-                    <a:p/>
-                  </a:txBody>
-                  <a:tcPr/>
-                </a:tc>
-                <a:tc>
-                  <a:txBody>
-                    <a:bodyPr/>
-                    <a:lstStyle/>
-                    <a:p/>
-                  </a:txBody>
-                  <a:tcPr/>
-                </a:tc>
-                <a:tc>
-                  <a:txBody>
-                    <a:bodyPr/>
-                    <a:lstStyle/>
-                    <a:p/>
-                  </a:txBody>
-                  <a:tcPr/>
-                </a:tc>
-                <a:tc>
-                  <a:txBody>
-                    <a:bodyPr/>
-                    <a:lstStyle/>
-                    <a:p/>
-                  </a:txBody>
-                  <a:tcPr/>
-                </a:tc>
-                <a:tc>
-                  <a:txBody>
-                    <a:bodyPr/>
-                    <a:lstStyle/>
-                    <a:p/>
-                  </a:txBody>
-                  <a:tcPr/>
-                </a:tc>
-                <a:tc>
-                  <a:txBody>
-                    <a:bodyPr/>
-                    <a:lstStyle/>
-                    <a:p/>
-                  </a:txBody>
-                  <a:tcPr/>
-                </a:tc>
-                <a:tc>
-                  <a:txBody>
-                    <a:bodyPr/>
-                    <a:lstStyle/>
-                    <a:p/>
-                  </a:txBody>
-                  <a:tcPr/>
-                </a:tc>
-                <a:tc>
-                  <a:txBody>
-                    <a:bodyPr/>
-                    <a:lstStyle/>
-                    <a:p/>
-                  </a:txBody>
-                  <a:tcPr/>
-                </a:tc>
-                <a:tc>
-                  <a:txBody>
-                    <a:bodyPr/>
-                    <a:lstStyle/>
-                    <a:p/>
-                  </a:txBody>
-                  <a:tcPr/>
-                </a:tc>
-              </a:tr>
-              <a:tr h="548640">
-                <a:tc>
-                  <a:txBody>
-                    <a:bodyPr/>
-                    <a:lstStyle/>
-                    <a:p/>
-                  </a:txBody>
-                  <a:tcPr/>
-                </a:tc>
-                <a:tc>
-                  <a:txBody>
-                    <a:bodyPr/>
-                    <a:lstStyle/>
-                    <a:p/>
-                  </a:txBody>
-                  <a:tcPr/>
-                </a:tc>
-                <a:tc>
-                  <a:txBody>
-                    <a:bodyPr/>
-                    <a:lstStyle/>
-                    <a:p/>
-                  </a:txBody>
-                  <a:tcPr/>
-                </a:tc>
-                <a:tc>
-                  <a:txBody>
-                    <a:bodyPr/>
-                    <a:lstStyle/>
-                    <a:p/>
-                  </a:txBody>
-                  <a:tcPr/>
-                </a:tc>
-                <a:tc>
-                  <a:txBody>
-                    <a:bodyPr/>
-                    <a:lstStyle/>
-                    <a:p/>
-                  </a:txBody>
-                  <a:tcPr/>
-                </a:tc>
-                <a:tc>
-                  <a:txBody>
-                    <a:bodyPr/>
-                    <a:lstStyle/>
-                    <a:p/>
-                  </a:txBody>
-                  <a:tcPr/>
-                </a:tc>
-                <a:tc>
-                  <a:txBody>
-                    <a:bodyPr/>
-                    <a:lstStyle/>
-                    <a:p/>
-                  </a:txBody>
-                  <a:tcPr/>
-                </a:tc>
-                <a:tc>
-                  <a:txBody>
-                    <a:bodyPr/>
-                    <a:lstStyle/>
-                    <a:p/>
-                  </a:txBody>
-                  <a:tcPr/>
-                </a:tc>
-                <a:tc>
-                  <a:txBody>
-                    <a:bodyPr/>
-                    <a:lstStyle/>
-                    <a:p/>
-                  </a:txBody>
-                  <a:tcPr/>
-                </a:tc>
-                <a:tc>
-                  <a:txBody>
-                    <a:bodyPr/>
-                    <a:lstStyle/>
-                    <a:p/>
-                  </a:txBody>
-                  <a:tcPr/>
-                </a:tc>
-              </a:tr>
-              <a:tr h="548640">
-                <a:tc>
-                  <a:txBody>
-                    <a:bodyPr/>
-                    <a:lstStyle/>
-                    <a:p/>
-                  </a:txBody>
-                  <a:tcPr/>
-                </a:tc>
-                <a:tc>
-                  <a:txBody>
-                    <a:bodyPr/>
-                    <a:lstStyle/>
-                    <a:p/>
-                  </a:txBody>
-                  <a:tcPr/>
-                </a:tc>
-                <a:tc>
-                  <a:txBody>
-                    <a:bodyPr/>
-                    <a:lstStyle/>
-                    <a:p/>
-                  </a:txBody>
-                  <a:tcPr/>
-                </a:tc>
-                <a:tc>
-                  <a:txBody>
-                    <a:bodyPr/>
-                    <a:lstStyle/>
-                    <a:p/>
-                  </a:txBody>
-                  <a:tcPr/>
-                </a:tc>
-                <a:tc>
-                  <a:txBody>
-                    <a:bodyPr/>
-                    <a:lstStyle/>
-                    <a:p/>
-                  </a:txBody>
-                  <a:tcPr/>
-                </a:tc>
-                <a:tc>
-                  <a:txBody>
-                    <a:bodyPr/>
-                    <a:lstStyle/>
-                    <a:p/>
-                  </a:txBody>
-                  <a:tcPr/>
-                </a:tc>
-                <a:tc>
-                  <a:txBody>
-                    <a:bodyPr/>
-                    <a:lstStyle/>
-                    <a:p/>
-                  </a:txBody>
-                  <a:tcPr/>
-                </a:tc>
-                <a:tc>
-                  <a:txBody>
-                    <a:bodyPr/>
-                    <a:lstStyle/>
-                    <a:p/>
-                  </a:txBody>
-                  <a:tcPr/>
-                </a:tc>
-                <a:tc>
-                  <a:txBody>
-                    <a:bodyPr/>
-                    <a:lstStyle/>
-                    <a:p/>
-                  </a:txBody>
-                  <a:tcPr/>
-                </a:tc>
-                <a:tc>
-                  <a:txBody>
-                    <a:bodyPr/>
-                    <a:lstStyle/>
-                    <a:p/>
-                  </a:txBody>
-                  <a:tcPr/>
-                </a:tc>
-              </a:tr>
-              <a:tr h="548640">
-                <a:tc>
-                  <a:txBody>
-                    <a:bodyPr/>
-                    <a:lstStyle/>
-                    <a:p/>
-                  </a:txBody>
-                  <a:tcPr/>
-                </a:tc>
-                <a:tc>
-                  <a:txBody>
-                    <a:bodyPr/>
-                    <a:lstStyle/>
-                    <a:p/>
-                  </a:txBody>
-                  <a:tcPr/>
-                </a:tc>
-                <a:tc>
-                  <a:txBody>
-                    <a:bodyPr/>
-                    <a:lstStyle/>
-                    <a:p/>
-                  </a:txBody>
-                  <a:tcPr/>
-                </a:tc>
-                <a:tc>
-                  <a:txBody>
-                    <a:bodyPr/>
-                    <a:lstStyle/>
-                    <a:p/>
-                  </a:txBody>
-                  <a:tcPr/>
-                </a:tc>
-                <a:tc>
-                  <a:txBody>
-                    <a:bodyPr/>
-                    <a:lstStyle/>
-                    <a:p/>
-                  </a:txBody>
-                  <a:tcPr/>
-                </a:tc>
-                <a:tc>
-                  <a:txBody>
-                    <a:bodyPr/>
-                    <a:lstStyle/>
-                    <a:p/>
-                  </a:txBody>
-                  <a:tcPr/>
-                </a:tc>
-                <a:tc>
-                  <a:txBody>
-                    <a:bodyPr/>
-                    <a:lstStyle/>
-                    <a:p/>
-                  </a:txBody>
-                  <a:tcPr/>
-                </a:tc>
-                <a:tc>
-                  <a:txBody>
-                    <a:bodyPr/>
-                    <a:lstStyle/>
-                    <a:p/>
-                  </a:txBody>
-                  <a:tcPr/>
-                </a:tc>
-                <a:tc>
-                  <a:txBody>
-                    <a:bodyPr/>
-                    <a:lstStyle/>
-                    <a:p/>
-                  </a:txBody>
-                  <a:tcPr/>
-                </a:tc>
-                <a:tc>
-                  <a:txBody>
-                    <a:bodyPr/>
-                    <a:lstStyle/>
-                    <a:p/>
-                  </a:txBody>
-                  <a:tcPr/>
-                </a:tc>
-              </a:tr>
-              <a:tr h="548640">
-                <a:tc>
-                  <a:txBody>
-                    <a:bodyPr/>
-                    <a:lstStyle/>
-                    <a:p/>
-                  </a:txBody>
-                  <a:tcPr/>
-                </a:tc>
-                <a:tc>
-                  <a:txBody>
-                    <a:bodyPr/>
-                    <a:lstStyle/>
-                    <a:p/>
-                  </a:txBody>
-                  <a:tcPr/>
-                </a:tc>
-                <a:tc>
-                  <a:txBody>
-                    <a:bodyPr/>
-                    <a:lstStyle/>
-                    <a:p/>
-                  </a:txBody>
-                  <a:tcPr/>
-                </a:tc>
-                <a:tc>
-                  <a:txBody>
-                    <a:bodyPr/>
-                    <a:lstStyle/>
-                    <a:p/>
-                  </a:txBody>
-                  <a:tcPr/>
-                </a:tc>
-                <a:tc>
-                  <a:txBody>
-                    <a:bodyPr/>
-                    <a:lstStyle/>
-                    <a:p/>
-                  </a:txBody>
-                  <a:tcPr/>
-                </a:tc>
-                <a:tc>
-                  <a:txBody>
-                    <a:bodyPr/>
-                    <a:lstStyle/>
-                    <a:p/>
-                  </a:txBody>
-                  <a:tcPr/>
-                </a:tc>
-                <a:tc>
-                  <a:txBody>
-                    <a:bodyPr/>
-                    <a:lstStyle/>
-                    <a:p/>
-                  </a:txBody>
-                  <a:tcPr/>
-                </a:tc>
-                <a:tc>
-                  <a:txBody>
-                    <a:bodyPr/>
-                    <a:lstStyle/>
-                    <a:p/>
-                  </a:txBody>
-                  <a:tcPr/>
-                </a:tc>
-                <a:tc>
-                  <a:txBody>
-                    <a:bodyPr/>
-                    <a:lstStyle/>
-                    <a:p/>
-                  </a:txBody>
-                  <a:tcPr/>
-                </a:tc>
-                <a:tc>
-                  <a:txBody>
-                    <a:bodyPr/>
-                    <a:lstStyle/>
-                    <a:p/>
-                  </a:txBody>
-                  <a:tcPr/>
-                </a:tc>
-              </a:tr>
-              <a:tr h="548640">
-                <a:tc>
-                  <a:txBody>
-                    <a:bodyPr/>
-                    <a:lstStyle/>
-                    <a:p/>
-                  </a:txBody>
-                  <a:tcPr/>
-                </a:tc>
-                <a:tc>
-                  <a:txBody>
-                    <a:bodyPr/>
-                    <a:lstStyle/>
-                    <a:p/>
-                  </a:txBody>
-                  <a:tcPr/>
-                </a:tc>
-                <a:tc>
-                  <a:txBody>
-                    <a:bodyPr/>
-                    <a:lstStyle/>
-                    <a:p/>
-                  </a:txBody>
-                  <a:tcPr/>
-                </a:tc>
-                <a:tc>
-                  <a:txBody>
-                    <a:bodyPr/>
-                    <a:lstStyle/>
-                    <a:p/>
-                  </a:txBody>
-                  <a:tcPr/>
-                </a:tc>
-                <a:tc>
-                  <a:txBody>
-                    <a:bodyPr/>
-                    <a:lstStyle/>
-                    <a:p/>
-                  </a:txBody>
-                  <a:tcPr/>
-                </a:tc>
-                <a:tc>
-                  <a:txBody>
-                    <a:bodyPr/>
-                    <a:lstStyle/>
-                    <a:p/>
-                  </a:txBody>
-                  <a:tcPr/>
-                </a:tc>
-                <a:tc>
-                  <a:txBody>
-                    <a:bodyPr/>
-                    <a:lstStyle/>
-                    <a:p/>
-                  </a:txBody>
-                  <a:tcPr/>
-                </a:tc>
-                <a:tc>
-                  <a:txBody>
-                    <a:bodyPr/>
-                    <a:lstStyle/>
-                    <a:p/>
-                  </a:txBody>
-                  <a:tcPr/>
-                </a:tc>
-                <a:tc>
-                  <a:txBody>
-                    <a:bodyPr/>
-                    <a:lstStyle/>
-                    <a:p/>
-                  </a:txBody>
-                  <a:tcPr/>
-                </a:tc>
-                <a:tc>
-                  <a:txBody>
-                    <a:bodyPr/>
-                    <a:lstStyle/>
-                    <a:p/>
-                  </a:txBody>
-                  <a:tcPr/>
-                </a:tc>
-              </a:tr>
-              <a:tr h="548640">
-                <a:tc>
-                  <a:txBody>
-                    <a:bodyPr/>
-                    <a:lstStyle/>
-                    <a:p/>
-                  </a:txBody>
-                  <a:tcPr/>
-                </a:tc>
-                <a:tc>
-                  <a:txBody>
-                    <a:bodyPr/>
-                    <a:lstStyle/>
-                    <a:p/>
-                  </a:txBody>
-                  <a:tcPr/>
-                </a:tc>
-                <a:tc>
-                  <a:txBody>
-                    <a:bodyPr/>
-                    <a:lstStyle/>
-                    <a:p/>
-                  </a:txBody>
-                  <a:tcPr/>
-                </a:tc>
-                <a:tc>
-                  <a:txBody>
-                    <a:bodyPr/>
-                    <a:lstStyle/>
-                    <a:p/>
-                  </a:txBody>
-                  <a:tcPr/>
-                </a:tc>
-                <a:tc>
-                  <a:txBody>
-                    <a:bodyPr/>
-                    <a:lstStyle/>
-                    <a:p/>
-                  </a:txBody>
-                  <a:tcPr/>
-                </a:tc>
-                <a:tc>
-                  <a:txBody>
-                    <a:bodyPr/>
-                    <a:lstStyle/>
-                    <a:p/>
-                  </a:txBody>
-                  <a:tcPr/>
-                </a:tc>
-                <a:tc>
-                  <a:txBody>
-                    <a:bodyPr/>
-                    <a:lstStyle/>
-                    <a:p/>
-                  </a:txBody>
-                  <a:tcPr/>
-                </a:tc>
-                <a:tc>
-                  <a:txBody>
-                    <a:bodyPr/>
-                    <a:lstStyle/>
-                    <a:p/>
-                  </a:txBody>
-                  <a:tcPr/>
-                </a:tc>
-                <a:tc>
-                  <a:txBody>
-                    <a:bodyPr/>
-                    <a:lstStyle/>
-                    <a:p/>
-                  </a:txBody>
-                  <a:tcPr/>
-                </a:tc>
-                <a:tc>
-                  <a:txBody>
-                    <a:bodyPr/>
-                    <a:lstStyle/>
-                    <a:p/>
-                  </a:txBody>
-                  <a:tcPr/>
-                </a:tc>
-              </a:tr>
-              <a:tr h="548640">
-                <a:tc>
-                  <a:txBody>
-                    <a:bodyPr/>
-                    <a:lstStyle/>
-                    <a:p/>
-                  </a:txBody>
-                  <a:tcPr/>
-                </a:tc>
-                <a:tc>
-                  <a:txBody>
-                    <a:bodyPr/>
-                    <a:lstStyle/>
-                    <a:p/>
-                  </a:txBody>
-                  <a:tcPr/>
-                </a:tc>
-                <a:tc>
-                  <a:txBody>
-                    <a:bodyPr/>
-                    <a:lstStyle/>
-                    <a:p/>
-                  </a:txBody>
-                  <a:tcPr/>
-                </a:tc>
-                <a:tc>
-                  <a:txBody>
-                    <a:bodyPr/>
-                    <a:lstStyle/>
-                    <a:p/>
-                  </a:txBody>
-                  <a:tcPr/>
-                </a:tc>
-                <a:tc>
-                  <a:txBody>
-                    <a:bodyPr/>
-                    <a:lstStyle/>
-                    <a:p/>
-                  </a:txBody>
-                  <a:tcPr/>
-                </a:tc>
-                <a:tc>
-                  <a:txBody>
-                    <a:bodyPr/>
-                    <a:lstStyle/>
-                    <a:p/>
-                  </a:txBody>
-                  <a:tcPr/>
-                </a:tc>
-                <a:tc>
-                  <a:txBody>
-                    <a:bodyPr/>
-                    <a:lstStyle/>
-                    <a:p/>
-                  </a:txBody>
-                  <a:tcPr/>
-                </a:tc>
-                <a:tc>
-                  <a:txBody>
-                    <a:bodyPr/>
-                    <a:lstStyle/>
-                    <a:p/>
-                  </a:txBody>
-                  <a:tcPr/>
-                </a:tc>
-                <a:tc>
-                  <a:txBody>
-                    <a:bodyPr/>
-                    <a:lstStyle/>
-                    <a:p/>
-                  </a:txBody>
-                  <a:tcPr/>
-                </a:tc>
-                <a:tc>
-                  <a:txBody>
-                    <a:bodyPr/>
-                    <a:lstStyle/>
-                    <a:p/>
                   </a:txBody>
                   <a:tcPr/>
                 </a:tc>

--- a/pptx/result/tmp.pptx
+++ b/pptx/result/tmp.pptx
@@ -3132,7 +3132,7 @@
         </p:nvGraphicFramePr>
         <p:xfrm>
           <a:off x="0" y="0"/>
-          <a:ext cx="1323000" cy="914400"/>
+          <a:ext cx="180000" cy="914400"/>
         </p:xfrm>
         <a:graphic>
           <a:graphicData uri="http://schemas.openxmlformats.org/drawingml/2006/table">
@@ -3141,13 +3141,15 @@
                 <a:tableStyleId>{5C22544A-7EE6-4342-B048-85BDC9FD1C3A}</a:tableStyleId>
               </a:tblPr>
               <a:tblGrid>
-                <a:gridCol w="852000"/>
-                <a:gridCol w="471000"/>
+                <a:gridCol w="90000"/>
+                <a:gridCol w="90000"/>
               </a:tblGrid>
               <a:tr h="457200">
                 <a:tc>
                   <a:txBody>
-                    <a:bodyPr/>
+                    <a:bodyPr>
+                      <a:normAutofit/>
+                    </a:bodyPr>
                     <a:lstStyle/>
                     <a:p>
                       <a:pPr>
@@ -3159,7 +3161,9 @@
                 </a:tc>
                 <a:tc>
                   <a:txBody>
-                    <a:bodyPr/>
+                    <a:bodyPr>
+                      <a:normAutofit/>
+                    </a:bodyPr>
                     <a:lstStyle/>
                     <a:p>
                       <a:pPr>
@@ -3176,7 +3180,9 @@
               <a:tr h="457200">
                 <a:tc>
                   <a:txBody>
-                    <a:bodyPr/>
+                    <a:bodyPr>
+                      <a:normAutofit/>
+                    </a:bodyPr>
                     <a:lstStyle/>
                     <a:p>
                       <a:pPr>
@@ -3191,12 +3197,58 @@
                 </a:tc>
                 <a:tc>
                   <a:txBody>
-                    <a:bodyPr/>
+                    <a:bodyPr>
+                      <a:normAutofit/>
+                    </a:bodyPr>
                     <a:lstStyle/>
                     <a:p>
                       <a:pPr>
                         <a:defRPr sz="1000"/>
                       </a:pPr>
+                      <a:r>
+                        <a:t>20</a:t>
+                      </a:r>
+                    </a:p>
+                    <a:p>
+                      <a:pPr>
+                        <a:defRPr sz="1000"/>
+                      </a:pPr>
+                      <a:r>
+                        <a:t>Mexico(IFETEL),Brazil(ANATEL)
+</a:t>
+                      </a:r>
+                      <a:r>
+                        <a:t>,Ukraine(TEC+NSoC+RoHS)
+</a:t>
+                      </a:r>
+                      <a:r>
+                        <a:t>,Ecuador(ARCOTEL),Nigeria(NCC)
+</a:t>
+                      </a:r>
+                      <a:r>
+                        <a:t>,Morocco(ANRT),Azerbaijan(ARRVITN)
+</a:t>
+                      </a:r>
+                      <a:r>
+                        <a:t>,Argentina(ENACOM),Chile(SUBTEL)
+</a:t>
+                      </a:r>
+                      <a:r>
+                        <a:t>,Uzbekistan(Uzbek),Zambia(ZICTA)
+</a:t>
+                      </a:r>
+                      <a:r>
+                        <a:t>,India(BIS),Serbia(Kvatet)
+</a:t>
+                      </a:r>
+                      <a:r>
+                        <a:t>,Moldova(INSM),South Africa(NRCS)
+</a:t>
+                      </a:r>
+                      <a:r>
+                        <a:t>,Armenia/Belarus/Kazakhstan/Russian/Kyrgyzstan(CU)
+</a:t>
+                      </a:r>
                     </a:p>
                   </a:txBody>
                   <a:tcPr/>

--- a/pptx/result/tmp.pptx
+++ b/pptx/result/tmp.pptx
@@ -3132,7 +3132,7 @@
         </p:nvGraphicFramePr>
         <p:xfrm>
           <a:off x="0" y="0"/>
-          <a:ext cx="180000" cy="914400"/>
+          <a:ext cx="7419000" cy="914400"/>
         </p:xfrm>
         <a:graphic>
           <a:graphicData uri="http://schemas.openxmlformats.org/drawingml/2006/table">
@@ -3141,15 +3141,13 @@
                 <a:tableStyleId>{5C22544A-7EE6-4342-B048-85BDC9FD1C3A}</a:tableStyleId>
               </a:tblPr>
               <a:tblGrid>
-                <a:gridCol w="90000"/>
-                <a:gridCol w="90000"/>
+                <a:gridCol w="852000"/>
+                <a:gridCol w="6567000"/>
               </a:tblGrid>
               <a:tr h="457200">
                 <a:tc>
                   <a:txBody>
-                    <a:bodyPr>
-                      <a:normAutofit/>
-                    </a:bodyPr>
+                    <a:bodyPr/>
                     <a:lstStyle/>
                     <a:p>
                       <a:pPr>
@@ -3161,9 +3159,7 @@
                 </a:tc>
                 <a:tc>
                   <a:txBody>
-                    <a:bodyPr>
-                      <a:normAutofit/>
-                    </a:bodyPr>
+                    <a:bodyPr/>
                     <a:lstStyle/>
                     <a:p>
                       <a:pPr>
@@ -3180,9 +3176,7 @@
               <a:tr h="457200">
                 <a:tc>
                   <a:txBody>
-                    <a:bodyPr>
-                      <a:normAutofit/>
-                    </a:bodyPr>
+                    <a:bodyPr/>
                     <a:lstStyle/>
                     <a:p>
                       <a:pPr>
@@ -3197,9 +3191,7 @@
                 </a:tc>
                 <a:tc>
                   <a:txBody>
-                    <a:bodyPr>
-                      <a:normAutofit/>
-                    </a:bodyPr>
+                    <a:bodyPr/>
                     <a:lstStyle/>
                     <a:p>
                       <a:pPr>

--- a/pptx/result/tmp.pptx
+++ b/pptx/result/tmp.pptx
@@ -3150,19 +3150,19 @@
                     <a:bodyPr/>
                     <a:lstStyle/>
                     <a:p>
-                      <a:pPr>
+                      <a:pPr algn="ctr">
                         <a:defRPr sz="1000"/>
                       </a:pPr>
                     </a:p>
                   </a:txBody>
-                  <a:tcPr/>
+                  <a:tcPr anchor="ctr"/>
                 </a:tc>
                 <a:tc>
                   <a:txBody>
                     <a:bodyPr/>
                     <a:lstStyle/>
                     <a:p>
-                      <a:pPr>
+                      <a:pPr algn="ctr">
                         <a:defRPr sz="1000"/>
                       </a:pPr>
                       <a:r>
@@ -3170,7 +3170,7 @@
                       </a:r>
                     </a:p>
                   </a:txBody>
-                  <a:tcPr/>
+                  <a:tcPr anchor="ctr"/>
                 </a:tc>
               </a:tr>
               <a:tr h="457200">
@@ -3179,7 +3179,7 @@
                     <a:bodyPr/>
                     <a:lstStyle/>
                     <a:p>
-                      <a:pPr>
+                      <a:pPr algn="ctr">
                         <a:defRPr sz="1000"/>
                       </a:pPr>
                       <a:r>
@@ -3187,14 +3187,14 @@
                       </a:r>
                     </a:p>
                   </a:txBody>
-                  <a:tcPr/>
+                  <a:tcPr anchor="ctr"/>
                 </a:tc>
                 <a:tc>
                   <a:txBody>
                     <a:bodyPr/>
                     <a:lstStyle/>
                     <a:p>
-                      <a:pPr>
+                      <a:pPr algn="ctr">
                         <a:defRPr sz="1000"/>
                       </a:pPr>
                       <a:r>
@@ -3202,7 +3202,7 @@
                       </a:r>
                     </a:p>
                     <a:p>
-                      <a:pPr>
+                      <a:pPr algn="ctr">
                         <a:defRPr sz="1000"/>
                       </a:pPr>
                       <a:r>
@@ -3243,7 +3243,7 @@
                       </a:r>
                     </a:p>
                   </a:txBody>
-                  <a:tcPr/>
+                  <a:tcPr anchor="ctr"/>
                 </a:tc>
               </a:tr>
             </a:tbl>

--- a/pptx/result/tmp.pptx
+++ b/pptx/result/tmp.pptx
@@ -3155,7 +3155,16 @@
                       </a:pPr>
                     </a:p>
                   </a:txBody>
-                  <a:tcPr anchor="ctr"/>
+                  <a:tcPr anchor="ctr">
+                    <a:solidFill>
+                      <a:srgbClr val="0085C3"/>
+                    </a:solidFill>
+                    <a:lnR w="12700" cap="flat" cmpd="sng" algn="ctr">
+                      <a:solidFill>
+                        <a:srgbClr val="000000"/>
+                      </a:solidFill>
+                    </a:lnR>
+                  </a:tcPr>
                 </a:tc>
                 <a:tc>
                   <a:txBody>
@@ -3170,7 +3179,16 @@
                       </a:r>
                     </a:p>
                   </a:txBody>
-                  <a:tcPr anchor="ctr"/>
+                  <a:tcPr anchor="ctr">
+                    <a:solidFill>
+                      <a:srgbClr val="0085C3"/>
+                    </a:solidFill>
+                    <a:lnR w="12700" cap="flat" cmpd="sng" algn="ctr">
+                      <a:solidFill>
+                        <a:srgbClr val="000000"/>
+                      </a:solidFill>
+                    </a:lnR>
+                  </a:tcPr>
                 </a:tc>
               </a:tr>
               <a:tr h="457200">
@@ -3187,7 +3205,16 @@
                       </a:r>
                     </a:p>
                   </a:txBody>
-                  <a:tcPr anchor="ctr"/>
+                  <a:tcPr anchor="ctr">
+                    <a:solidFill>
+                      <a:srgbClr val="FFFFFF"/>
+                    </a:solidFill>
+                    <a:lnR w="12700" cap="flat" cmpd="sng" algn="ctr">
+                      <a:solidFill>
+                        <a:srgbClr val="000000"/>
+                      </a:solidFill>
+                    </a:lnR>
+                  </a:tcPr>
                 </a:tc>
                 <a:tc>
                   <a:txBody>
@@ -3243,7 +3270,217 @@
                       </a:r>
                     </a:p>
                   </a:txBody>
-                  <a:tcPr anchor="ctr"/>
+                  <a:tcPr anchor="ctr">
+                    <a:solidFill>
+                      <a:srgbClr val="FFFFFF"/>
+                    </a:solidFill>
+                    <a:lnR w="12700" cap="flat" cmpd="sng" algn="ctr">
+                      <a:solidFill>
+                        <a:srgbClr val="000000"/>
+                      </a:solidFill>
+                    </a:lnR>
+                  </a:tcPr>
+                </a:tc>
+              </a:tr>
+            </a:tbl>
+          </a:graphicData>
+        </a:graphic>
+      </p:graphicFrame>
+      <p:graphicFrame>
+        <p:nvGraphicFramePr>
+          <p:cNvPr id="5" name="Table 4"/>
+          <p:cNvGraphicFramePr>
+            <a:graphicFrameLocks noGrp="1"/>
+          </p:cNvGraphicFramePr>
+          <p:nvPr/>
+        </p:nvGraphicFramePr>
+        <p:xfrm>
+          <a:off x="0" y="3200400"/>
+          <a:ext cx="5768000" cy="914400"/>
+        </p:xfrm>
+        <a:graphic>
+          <a:graphicData uri="http://schemas.openxmlformats.org/drawingml/2006/table">
+            <a:tbl>
+              <a:tblPr firstRow="1" bandRow="1">
+                <a:tableStyleId>{5C22544A-7EE6-4342-B048-85BDC9FD1C3A}</a:tableStyleId>
+              </a:tblPr>
+              <a:tblGrid>
+                <a:gridCol w="852000"/>
+                <a:gridCol w="4916000"/>
+              </a:tblGrid>
+              <a:tr h="304800">
+                <a:tc>
+                  <a:txBody>
+                    <a:bodyPr/>
+                    <a:lstStyle/>
+                    <a:p>
+                      <a:pPr algn="ctr">
+                        <a:defRPr sz="1000"/>
+                      </a:pPr>
+                    </a:p>
+                  </a:txBody>
+                  <a:tcPr anchor="ctr">
+                    <a:solidFill>
+                      <a:srgbClr val="0085C3"/>
+                    </a:solidFill>
+                  </a:tcPr>
+                </a:tc>
+                <a:tc>
+                  <a:txBody>
+                    <a:bodyPr/>
+                    <a:lstStyle/>
+                    <a:p>
+                      <a:pPr algn="ctr">
+                        <a:defRPr sz="1000"/>
+                      </a:pPr>
+                      <a:r>
+                        <a:t>PPE</a:t>
+                      </a:r>
+                    </a:p>
+                  </a:txBody>
+                  <a:tcPr anchor="ctr">
+                    <a:solidFill>
+                      <a:srgbClr val="0085C3"/>
+                    </a:solidFill>
+                  </a:tcPr>
+                </a:tc>
+              </a:tr>
+              <a:tr h="304800">
+                <a:tc>
+                  <a:txBody>
+                    <a:bodyPr/>
+                    <a:lstStyle/>
+                    <a:p>
+                      <a:pPr algn="ctr">
+                        <a:defRPr sz="1000"/>
+                      </a:pPr>
+                      <a:r>
+                        <a:t>(WWAN)</a:t>
+                      </a:r>
+                    </a:p>
+                  </a:txBody>
+                  <a:tcPr anchor="ctr">
+                    <a:solidFill>
+                      <a:srgbClr val="FFFFFF"/>
+                    </a:solidFill>
+                  </a:tcPr>
+                </a:tc>
+                <a:tc>
+                  <a:txBody>
+                    <a:bodyPr/>
+                    <a:lstStyle/>
+                    <a:p>
+                      <a:pPr algn="ctr">
+                        <a:defRPr sz="1000"/>
+                      </a:pPr>
+                      <a:r>
+                        <a:t>6</a:t>
+                      </a:r>
+                    </a:p>
+                    <a:p>
+                      <a:pPr algn="ctr">
+                        <a:defRPr sz="1000"/>
+                      </a:pPr>
+                      <a:r>
+                        <a:t>Jordan(TRC (RTN)),China(NAL)
+</a:t>
+                      </a:r>
+                      <a:r>
+                        <a:t>,Saudi Arabia(CITC),Taiwan(NCC)
+</a:t>
+                      </a:r>
+                      <a:r>
+                        <a:t>,Philippines(NTC),Thailand(Class B)
+</a:t>
+                      </a:r>
+                    </a:p>
+                  </a:txBody>
+                  <a:tcPr anchor="ctr">
+                    <a:solidFill>
+                      <a:srgbClr val="FFFFFF"/>
+                    </a:solidFill>
+                  </a:tcPr>
+                </a:tc>
+              </a:tr>
+              <a:tr h="304800">
+                <a:tc>
+                  <a:txBody>
+                    <a:bodyPr/>
+                    <a:lstStyle/>
+                    <a:p>
+                      <a:pPr algn="ctr">
+                        <a:defRPr sz="1000"/>
+                      </a:pPr>
+                      <a:r>
+                        <a:t>RFID</a:t>
+                      </a:r>
+                    </a:p>
+                  </a:txBody>
+                  <a:tcPr anchor="ctr">
+                    <a:solidFill>
+                      <a:srgbClr val="FFFFFF"/>
+                    </a:solidFill>
+                  </a:tcPr>
+                </a:tc>
+                <a:tc>
+                  <a:txBody>
+                    <a:bodyPr/>
+                    <a:lstStyle/>
+                    <a:p>
+                      <a:pPr algn="ctr">
+                        <a:defRPr sz="1000"/>
+                      </a:pPr>
+                      <a:r>
+                        <a:t>17</a:t>
+                      </a:r>
+                    </a:p>
+                    <a:p>
+                      <a:pPr algn="ctr">
+                        <a:defRPr sz="1000"/>
+                      </a:pPr>
+                      <a:r>
+                        <a:t>Lebanon(TRA/MoT),India(DoT (China))
+</a:t>
+                      </a:r>
+                      <a:r>
+                        <a:t>,Guyana(PUC),Mexico(IFETEL)
+</a:t>
+                      </a:r>
+                      <a:r>
+                        <a:t>,Saint Lucia(NTRC),Moldova(DoC)
+</a:t>
+                      </a:r>
+                      <a:r>
+                        <a:t>,Nicaragua(TELCOR),Zimbabwe(POTRAZ)
+</a:t>
+                      </a:r>
+                      <a:r>
+                        <a:t>,Cambodia(MPTC),Argentina(ENACOM)
+</a:t>
+                      </a:r>
+                      <a:r>
+                        <a:t>,Dominican Republic(INDOTEL)
+</a:t>
+                      </a:r>
+                      <a:r>
+                        <a:t>,South Africa(ICASA)
+</a:t>
+                      </a:r>
+                      <a:r>
+                        <a:t>,Haiti(CONATEL),Solomon Islands(TCSI)
+</a:t>
+                      </a:r>
+                      <a:r>
+                        <a:t>,Bahamas(URCA),Paraguay(CONATEL)
+</a:t>
+                      </a:r>
+                    </a:p>
+                  </a:txBody>
+                  <a:tcPr anchor="ctr">
+                    <a:solidFill>
+                      <a:srgbClr val="FFFFFF"/>
+                    </a:solidFill>
+                  </a:tcPr>
                 </a:tc>
               </a:tr>
             </a:tbl>

--- a/pptx/result/tmp.pptx
+++ b/pptx/result/tmp.pptx
@@ -3159,11 +3159,26 @@
                     <a:solidFill>
                       <a:srgbClr val="0085C3"/>
                     </a:solidFill>
+                    <a:lnL w="12700" cap="flat" cmpd="sng" algn="ctr">
+                      <a:solidFill>
+                        <a:srgbClr val="444444"/>
+                      </a:solidFill>
+                    </a:lnL>
                     <a:lnR w="12700" cap="flat" cmpd="sng" algn="ctr">
                       <a:solidFill>
-                        <a:srgbClr val="000000"/>
+                        <a:srgbClr val="444444"/>
                       </a:solidFill>
                     </a:lnR>
+                    <a:lnT w="12700" cap="flat" cmpd="sng" algn="ctr">
+                      <a:solidFill>
+                        <a:srgbClr val="444444"/>
+                      </a:solidFill>
+                    </a:lnT>
+                    <a:lnB w="12700" cap="flat" cmpd="sng" algn="ctr">
+                      <a:solidFill>
+                        <a:srgbClr val="444444"/>
+                      </a:solidFill>
+                    </a:lnB>
                   </a:tcPr>
                 </a:tc>
                 <a:tc>
@@ -3183,11 +3198,26 @@
                     <a:solidFill>
                       <a:srgbClr val="0085C3"/>
                     </a:solidFill>
+                    <a:lnL w="12700" cap="flat" cmpd="sng" algn="ctr">
+                      <a:solidFill>
+                        <a:srgbClr val="444444"/>
+                      </a:solidFill>
+                    </a:lnL>
                     <a:lnR w="12700" cap="flat" cmpd="sng" algn="ctr">
                       <a:solidFill>
-                        <a:srgbClr val="000000"/>
+                        <a:srgbClr val="444444"/>
                       </a:solidFill>
                     </a:lnR>
+                    <a:lnT w="12700" cap="flat" cmpd="sng" algn="ctr">
+                      <a:solidFill>
+                        <a:srgbClr val="444444"/>
+                      </a:solidFill>
+                    </a:lnT>
+                    <a:lnB w="12700" cap="flat" cmpd="sng" algn="ctr">
+                      <a:solidFill>
+                        <a:srgbClr val="444444"/>
+                      </a:solidFill>
+                    </a:lnB>
                   </a:tcPr>
                 </a:tc>
               </a:tr>
@@ -3209,11 +3239,26 @@
                     <a:solidFill>
                       <a:srgbClr val="FFFFFF"/>
                     </a:solidFill>
+                    <a:lnL w="12700" cap="flat" cmpd="sng" algn="ctr">
+                      <a:solidFill>
+                        <a:srgbClr val="444444"/>
+                      </a:solidFill>
+                    </a:lnL>
                     <a:lnR w="12700" cap="flat" cmpd="sng" algn="ctr">
                       <a:solidFill>
-                        <a:srgbClr val="000000"/>
+                        <a:srgbClr val="444444"/>
                       </a:solidFill>
                     </a:lnR>
+                    <a:lnT w="12700" cap="flat" cmpd="sng" algn="ctr">
+                      <a:solidFill>
+                        <a:srgbClr val="444444"/>
+                      </a:solidFill>
+                    </a:lnT>
+                    <a:lnB w="12700" cap="flat" cmpd="sng" algn="ctr">
+                      <a:solidFill>
+                        <a:srgbClr val="444444"/>
+                      </a:solidFill>
+                    </a:lnB>
                   </a:tcPr>
                 </a:tc>
                 <a:tc>
@@ -3274,11 +3319,26 @@
                     <a:solidFill>
                       <a:srgbClr val="FFFFFF"/>
                     </a:solidFill>
+                    <a:lnL w="12700" cap="flat" cmpd="sng" algn="ctr">
+                      <a:solidFill>
+                        <a:srgbClr val="444444"/>
+                      </a:solidFill>
+                    </a:lnL>
                     <a:lnR w="12700" cap="flat" cmpd="sng" algn="ctr">
                       <a:solidFill>
-                        <a:srgbClr val="000000"/>
+                        <a:srgbClr val="444444"/>
                       </a:solidFill>
                     </a:lnR>
+                    <a:lnT w="12700" cap="flat" cmpd="sng" algn="ctr">
+                      <a:solidFill>
+                        <a:srgbClr val="444444"/>
+                      </a:solidFill>
+                    </a:lnT>
+                    <a:lnB w="12700" cap="flat" cmpd="sng" algn="ctr">
+                      <a:solidFill>
+                        <a:srgbClr val="444444"/>
+                      </a:solidFill>
+                    </a:lnB>
                   </a:tcPr>
                 </a:tc>
               </a:tr>
@@ -3323,6 +3383,26 @@
                     <a:solidFill>
                       <a:srgbClr val="0085C3"/>
                     </a:solidFill>
+                    <a:lnL w="12700" cap="flat" cmpd="sng" algn="ctr">
+                      <a:solidFill>
+                        <a:srgbClr val="444444"/>
+                      </a:solidFill>
+                    </a:lnL>
+                    <a:lnR w="12700" cap="flat" cmpd="sng" algn="ctr">
+                      <a:solidFill>
+                        <a:srgbClr val="444444"/>
+                      </a:solidFill>
+                    </a:lnR>
+                    <a:lnT w="12700" cap="flat" cmpd="sng" algn="ctr">
+                      <a:solidFill>
+                        <a:srgbClr val="444444"/>
+                      </a:solidFill>
+                    </a:lnT>
+                    <a:lnB w="12700" cap="flat" cmpd="sng" algn="ctr">
+                      <a:solidFill>
+                        <a:srgbClr val="444444"/>
+                      </a:solidFill>
+                    </a:lnB>
                   </a:tcPr>
                 </a:tc>
                 <a:tc>
@@ -3342,6 +3422,26 @@
                     <a:solidFill>
                       <a:srgbClr val="0085C3"/>
                     </a:solidFill>
+                    <a:lnL w="12700" cap="flat" cmpd="sng" algn="ctr">
+                      <a:solidFill>
+                        <a:srgbClr val="444444"/>
+                      </a:solidFill>
+                    </a:lnL>
+                    <a:lnR w="12700" cap="flat" cmpd="sng" algn="ctr">
+                      <a:solidFill>
+                        <a:srgbClr val="444444"/>
+                      </a:solidFill>
+                    </a:lnR>
+                    <a:lnT w="12700" cap="flat" cmpd="sng" algn="ctr">
+                      <a:solidFill>
+                        <a:srgbClr val="444444"/>
+                      </a:solidFill>
+                    </a:lnT>
+                    <a:lnB w="12700" cap="flat" cmpd="sng" algn="ctr">
+                      <a:solidFill>
+                        <a:srgbClr val="444444"/>
+                      </a:solidFill>
+                    </a:lnB>
                   </a:tcPr>
                 </a:tc>
               </a:tr>
@@ -3363,6 +3463,26 @@
                     <a:solidFill>
                       <a:srgbClr val="FFFFFF"/>
                     </a:solidFill>
+                    <a:lnL w="12700" cap="flat" cmpd="sng" algn="ctr">
+                      <a:solidFill>
+                        <a:srgbClr val="444444"/>
+                      </a:solidFill>
+                    </a:lnL>
+                    <a:lnR w="12700" cap="flat" cmpd="sng" algn="ctr">
+                      <a:solidFill>
+                        <a:srgbClr val="444444"/>
+                      </a:solidFill>
+                    </a:lnR>
+                    <a:lnT w="12700" cap="flat" cmpd="sng" algn="ctr">
+                      <a:solidFill>
+                        <a:srgbClr val="444444"/>
+                      </a:solidFill>
+                    </a:lnT>
+                    <a:lnB w="12700" cap="flat" cmpd="sng" algn="ctr">
+                      <a:solidFill>
+                        <a:srgbClr val="444444"/>
+                      </a:solidFill>
+                    </a:lnB>
                   </a:tcPr>
                 </a:tc>
                 <a:tc>
@@ -3399,6 +3519,26 @@
                     <a:solidFill>
                       <a:srgbClr val="FFFFFF"/>
                     </a:solidFill>
+                    <a:lnL w="12700" cap="flat" cmpd="sng" algn="ctr">
+                      <a:solidFill>
+                        <a:srgbClr val="444444"/>
+                      </a:solidFill>
+                    </a:lnL>
+                    <a:lnR w="12700" cap="flat" cmpd="sng" algn="ctr">
+                      <a:solidFill>
+                        <a:srgbClr val="444444"/>
+                      </a:solidFill>
+                    </a:lnR>
+                    <a:lnT w="12700" cap="flat" cmpd="sng" algn="ctr">
+                      <a:solidFill>
+                        <a:srgbClr val="444444"/>
+                      </a:solidFill>
+                    </a:lnT>
+                    <a:lnB w="12700" cap="flat" cmpd="sng" algn="ctr">
+                      <a:solidFill>
+                        <a:srgbClr val="444444"/>
+                      </a:solidFill>
+                    </a:lnB>
                   </a:tcPr>
                 </a:tc>
               </a:tr>
@@ -3420,6 +3560,26 @@
                     <a:solidFill>
                       <a:srgbClr val="FFFFFF"/>
                     </a:solidFill>
+                    <a:lnL w="12700" cap="flat" cmpd="sng" algn="ctr">
+                      <a:solidFill>
+                        <a:srgbClr val="444444"/>
+                      </a:solidFill>
+                    </a:lnL>
+                    <a:lnR w="12700" cap="flat" cmpd="sng" algn="ctr">
+                      <a:solidFill>
+                        <a:srgbClr val="444444"/>
+                      </a:solidFill>
+                    </a:lnR>
+                    <a:lnT w="12700" cap="flat" cmpd="sng" algn="ctr">
+                      <a:solidFill>
+                        <a:srgbClr val="444444"/>
+                      </a:solidFill>
+                    </a:lnT>
+                    <a:lnB w="12700" cap="flat" cmpd="sng" algn="ctr">
+                      <a:solidFill>
+                        <a:srgbClr val="444444"/>
+                      </a:solidFill>
+                    </a:lnB>
                   </a:tcPr>
                 </a:tc>
                 <a:tc>
@@ -3480,6 +3640,26 @@
                     <a:solidFill>
                       <a:srgbClr val="FFFFFF"/>
                     </a:solidFill>
+                    <a:lnL w="12700" cap="flat" cmpd="sng" algn="ctr">
+                      <a:solidFill>
+                        <a:srgbClr val="444444"/>
+                      </a:solidFill>
+                    </a:lnL>
+                    <a:lnR w="12700" cap="flat" cmpd="sng" algn="ctr">
+                      <a:solidFill>
+                        <a:srgbClr val="444444"/>
+                      </a:solidFill>
+                    </a:lnR>
+                    <a:lnT w="12700" cap="flat" cmpd="sng" algn="ctr">
+                      <a:solidFill>
+                        <a:srgbClr val="444444"/>
+                      </a:solidFill>
+                    </a:lnT>
+                    <a:lnB w="12700" cap="flat" cmpd="sng" algn="ctr">
+                      <a:solidFill>
+                        <a:srgbClr val="444444"/>
+                      </a:solidFill>
+                    </a:lnB>
                   </a:tcPr>
                 </a:tc>
               </a:tr>

--- a/pptx/result/tmp.pptx
+++ b/pptx/result/tmp.pptx
@@ -3163,21 +3163,25 @@
                       <a:solidFill>
                         <a:srgbClr val="444444"/>
                       </a:solidFill>
+                      <a:prstDash val="solid"/>
                     </a:lnL>
                     <a:lnR w="12700" cap="flat" cmpd="sng" algn="ctr">
                       <a:solidFill>
                         <a:srgbClr val="444444"/>
                       </a:solidFill>
+                      <a:prstDash val="solid"/>
                     </a:lnR>
                     <a:lnT w="12700" cap="flat" cmpd="sng" algn="ctr">
                       <a:solidFill>
                         <a:srgbClr val="444444"/>
                       </a:solidFill>
+                      <a:prstDash val="solid"/>
                     </a:lnT>
                     <a:lnB w="12700" cap="flat" cmpd="sng" algn="ctr">
                       <a:solidFill>
                         <a:srgbClr val="444444"/>
                       </a:solidFill>
+                      <a:prstDash val="solid"/>
                     </a:lnB>
                   </a:tcPr>
                 </a:tc>
@@ -3202,21 +3206,25 @@
                       <a:solidFill>
                         <a:srgbClr val="444444"/>
                       </a:solidFill>
+                      <a:prstDash val="solid"/>
                     </a:lnL>
                     <a:lnR w="12700" cap="flat" cmpd="sng" algn="ctr">
                       <a:solidFill>
                         <a:srgbClr val="444444"/>
                       </a:solidFill>
+                      <a:prstDash val="solid"/>
                     </a:lnR>
                     <a:lnT w="12700" cap="flat" cmpd="sng" algn="ctr">
                       <a:solidFill>
                         <a:srgbClr val="444444"/>
                       </a:solidFill>
+                      <a:prstDash val="solid"/>
                     </a:lnT>
                     <a:lnB w="12700" cap="flat" cmpd="sng" algn="ctr">
                       <a:solidFill>
                         <a:srgbClr val="444444"/>
                       </a:solidFill>
+                      <a:prstDash val="solid"/>
                     </a:lnB>
                   </a:tcPr>
                 </a:tc>
@@ -3243,21 +3251,25 @@
                       <a:solidFill>
                         <a:srgbClr val="444444"/>
                       </a:solidFill>
+                      <a:prstDash val="solid"/>
                     </a:lnL>
                     <a:lnR w="12700" cap="flat" cmpd="sng" algn="ctr">
                       <a:solidFill>
                         <a:srgbClr val="444444"/>
                       </a:solidFill>
+                      <a:prstDash val="solid"/>
                     </a:lnR>
                     <a:lnT w="12700" cap="flat" cmpd="sng" algn="ctr">
                       <a:solidFill>
                         <a:srgbClr val="444444"/>
                       </a:solidFill>
+                      <a:prstDash val="solid"/>
                     </a:lnT>
                     <a:lnB w="12700" cap="flat" cmpd="sng" algn="ctr">
                       <a:solidFill>
                         <a:srgbClr val="444444"/>
                       </a:solidFill>
+                      <a:prstDash val="solid"/>
                     </a:lnB>
                   </a:tcPr>
                 </a:tc>
@@ -3323,21 +3335,25 @@
                       <a:solidFill>
                         <a:srgbClr val="444444"/>
                       </a:solidFill>
+                      <a:prstDash val="solid"/>
                     </a:lnL>
                     <a:lnR w="12700" cap="flat" cmpd="sng" algn="ctr">
                       <a:solidFill>
                         <a:srgbClr val="444444"/>
                       </a:solidFill>
+                      <a:prstDash val="solid"/>
                     </a:lnR>
                     <a:lnT w="12700" cap="flat" cmpd="sng" algn="ctr">
                       <a:solidFill>
                         <a:srgbClr val="444444"/>
                       </a:solidFill>
+                      <a:prstDash val="solid"/>
                     </a:lnT>
                     <a:lnB w="12700" cap="flat" cmpd="sng" algn="ctr">
                       <a:solidFill>
                         <a:srgbClr val="444444"/>
                       </a:solidFill>
+                      <a:prstDash val="solid"/>
                     </a:lnB>
                   </a:tcPr>
                 </a:tc>
@@ -3387,21 +3403,25 @@
                       <a:solidFill>
                         <a:srgbClr val="444444"/>
                       </a:solidFill>
+                      <a:prstDash val="solid"/>
                     </a:lnL>
                     <a:lnR w="12700" cap="flat" cmpd="sng" algn="ctr">
                       <a:solidFill>
                         <a:srgbClr val="444444"/>
                       </a:solidFill>
+                      <a:prstDash val="solid"/>
                     </a:lnR>
                     <a:lnT w="12700" cap="flat" cmpd="sng" algn="ctr">
                       <a:solidFill>
                         <a:srgbClr val="444444"/>
                       </a:solidFill>
+                      <a:prstDash val="solid"/>
                     </a:lnT>
                     <a:lnB w="12700" cap="flat" cmpd="sng" algn="ctr">
                       <a:solidFill>
                         <a:srgbClr val="444444"/>
                       </a:solidFill>
+                      <a:prstDash val="solid"/>
                     </a:lnB>
                   </a:tcPr>
                 </a:tc>
@@ -3426,21 +3446,25 @@
                       <a:solidFill>
                         <a:srgbClr val="444444"/>
                       </a:solidFill>
+                      <a:prstDash val="solid"/>
                     </a:lnL>
                     <a:lnR w="12700" cap="flat" cmpd="sng" algn="ctr">
                       <a:solidFill>
                         <a:srgbClr val="444444"/>
                       </a:solidFill>
+                      <a:prstDash val="solid"/>
                     </a:lnR>
                     <a:lnT w="12700" cap="flat" cmpd="sng" algn="ctr">
                       <a:solidFill>
                         <a:srgbClr val="444444"/>
                       </a:solidFill>
+                      <a:prstDash val="solid"/>
                     </a:lnT>
                     <a:lnB w="12700" cap="flat" cmpd="sng" algn="ctr">
                       <a:solidFill>
                         <a:srgbClr val="444444"/>
                       </a:solidFill>
+                      <a:prstDash val="solid"/>
                     </a:lnB>
                   </a:tcPr>
                 </a:tc>
@@ -3467,21 +3491,25 @@
                       <a:solidFill>
                         <a:srgbClr val="444444"/>
                       </a:solidFill>
+                      <a:prstDash val="solid"/>
                     </a:lnL>
                     <a:lnR w="12700" cap="flat" cmpd="sng" algn="ctr">
                       <a:solidFill>
                         <a:srgbClr val="444444"/>
                       </a:solidFill>
+                      <a:prstDash val="solid"/>
                     </a:lnR>
                     <a:lnT w="12700" cap="flat" cmpd="sng" algn="ctr">
                       <a:solidFill>
                         <a:srgbClr val="444444"/>
                       </a:solidFill>
+                      <a:prstDash val="solid"/>
                     </a:lnT>
                     <a:lnB w="12700" cap="flat" cmpd="sng" algn="ctr">
                       <a:solidFill>
                         <a:srgbClr val="444444"/>
                       </a:solidFill>
+                      <a:prstDash val="solid"/>
                     </a:lnB>
                   </a:tcPr>
                 </a:tc>
@@ -3523,21 +3551,25 @@
                       <a:solidFill>
                         <a:srgbClr val="444444"/>
                       </a:solidFill>
+                      <a:prstDash val="solid"/>
                     </a:lnL>
                     <a:lnR w="12700" cap="flat" cmpd="sng" algn="ctr">
                       <a:solidFill>
                         <a:srgbClr val="444444"/>
                       </a:solidFill>
+                      <a:prstDash val="solid"/>
                     </a:lnR>
                     <a:lnT w="12700" cap="flat" cmpd="sng" algn="ctr">
                       <a:solidFill>
                         <a:srgbClr val="444444"/>
                       </a:solidFill>
+                      <a:prstDash val="solid"/>
                     </a:lnT>
                     <a:lnB w="12700" cap="flat" cmpd="sng" algn="ctr">
                       <a:solidFill>
                         <a:srgbClr val="444444"/>
                       </a:solidFill>
+                      <a:prstDash val="solid"/>
                     </a:lnB>
                   </a:tcPr>
                 </a:tc>
@@ -3564,21 +3596,25 @@
                       <a:solidFill>
                         <a:srgbClr val="444444"/>
                       </a:solidFill>
+                      <a:prstDash val="solid"/>
                     </a:lnL>
                     <a:lnR w="12700" cap="flat" cmpd="sng" algn="ctr">
                       <a:solidFill>
                         <a:srgbClr val="444444"/>
                       </a:solidFill>
+                      <a:prstDash val="solid"/>
                     </a:lnR>
                     <a:lnT w="12700" cap="flat" cmpd="sng" algn="ctr">
                       <a:solidFill>
                         <a:srgbClr val="444444"/>
                       </a:solidFill>
+                      <a:prstDash val="solid"/>
                     </a:lnT>
                     <a:lnB w="12700" cap="flat" cmpd="sng" algn="ctr">
                       <a:solidFill>
                         <a:srgbClr val="444444"/>
                       </a:solidFill>
+                      <a:prstDash val="solid"/>
                     </a:lnB>
                   </a:tcPr>
                 </a:tc>
@@ -3644,21 +3680,25 @@
                       <a:solidFill>
                         <a:srgbClr val="444444"/>
                       </a:solidFill>
+                      <a:prstDash val="solid"/>
                     </a:lnL>
                     <a:lnR w="12700" cap="flat" cmpd="sng" algn="ctr">
                       <a:solidFill>
                         <a:srgbClr val="444444"/>
                       </a:solidFill>
+                      <a:prstDash val="solid"/>
                     </a:lnR>
                     <a:lnT w="12700" cap="flat" cmpd="sng" algn="ctr">
                       <a:solidFill>
                         <a:srgbClr val="444444"/>
                       </a:solidFill>
+                      <a:prstDash val="solid"/>
                     </a:lnT>
                     <a:lnB w="12700" cap="flat" cmpd="sng" algn="ctr">
                       <a:solidFill>
                         <a:srgbClr val="444444"/>
                       </a:solidFill>
+                      <a:prstDash val="solid"/>
                     </a:lnB>
                   </a:tcPr>
                 </a:tc>

--- a/pptx/result/tmp.pptx
+++ b/pptx/result/tmp.pptx
@@ -3132,7 +3132,7 @@
         </p:nvGraphicFramePr>
         <p:xfrm>
           <a:off x="0" y="0"/>
-          <a:ext cx="7419000" cy="914400"/>
+          <a:ext cx="458470" cy="914400"/>
         </p:xfrm>
         <a:graphic>
           <a:graphicData uri="http://schemas.openxmlformats.org/drawingml/2006/table">
@@ -3141,8 +3141,8 @@
                 <a:tableStyleId>{5C22544A-7EE6-4342-B048-85BDC9FD1C3A}</a:tableStyleId>
               </a:tblPr>
               <a:tblGrid>
-                <a:gridCol w="852000"/>
-                <a:gridCol w="6567000"/>
+                <a:gridCol w="457200"/>
+                <a:gridCol w="1270"/>
               </a:tblGrid>
               <a:tr h="457200">
                 <a:tc>
@@ -3150,9 +3150,7 @@
                     <a:bodyPr/>
                     <a:lstStyle/>
                     <a:p>
-                      <a:pPr algn="ctr">
-                        <a:defRPr sz="1000"/>
-                      </a:pPr>
+                      <a:pPr algn="ctr"/>
                     </a:p>
                   </a:txBody>
                   <a:tcPr anchor="ctr">
@@ -3190,9 +3188,7 @@
                     <a:bodyPr/>
                     <a:lstStyle/>
                     <a:p>
-                      <a:pPr algn="ctr">
-                        <a:defRPr sz="1000"/>
-                      </a:pPr>
+                      <a:pPr algn="ctr"/>
                       <a:r>
                         <a:t>PPE</a:t>
                       </a:r>
@@ -3235,9 +3231,7 @@
                     <a:bodyPr/>
                     <a:lstStyle/>
                     <a:p>
-                      <a:pPr algn="ctr">
-                        <a:defRPr sz="1000"/>
-                      </a:pPr>
+                      <a:pPr algn="ctr"/>
                       <a:r>
                         <a:t>System</a:t>
                       </a:r>
@@ -3278,52 +3272,15 @@
                     <a:bodyPr/>
                     <a:lstStyle/>
                     <a:p>
-                      <a:pPr algn="ctr">
-                        <a:defRPr sz="1000"/>
-                      </a:pPr>
+                      <a:pPr algn="ctr"/>
                       <a:r>
                         <a:t>20</a:t>
                       </a:r>
                     </a:p>
                     <a:p>
-                      <a:pPr algn="ctr">
-                        <a:defRPr sz="1000"/>
-                      </a:pPr>
+                      <a:pPr algn="ctr"/>
                       <a:r>
-                        <a:t>Mexico(IFETEL),Brazil(ANATEL)
-</a:t>
-                      </a:r>
-                      <a:r>
-                        <a:t>,Ukraine(TEC+NSoC+RoHS)
-</a:t>
-                      </a:r>
-                      <a:r>
-                        <a:t>,Ecuador(ARCOTEL),Nigeria(NCC)
-</a:t>
-                      </a:r>
-                      <a:r>
-                        <a:t>,Morocco(ANRT),Azerbaijan(ARRVITN)
-</a:t>
-                      </a:r>
-                      <a:r>
-                        <a:t>,Argentina(ENACOM),Chile(SUBTEL)
-</a:t>
-                      </a:r>
-                      <a:r>
-                        <a:t>,Uzbekistan(Uzbek),Zambia(ZICTA)
-</a:t>
-                      </a:r>
-                      <a:r>
-                        <a:t>,India(BIS),Serbia(Kvatet)
-</a:t>
-                      </a:r>
-                      <a:r>
-                        <a:t>,Moldova(INSM),South Africa(NRCS)
-</a:t>
-                      </a:r>
-                      <a:r>
-                        <a:t>,Armenia/Belarus/Kazakhstan/Russian/Kyrgyzstan(CU)
-</a:t>
+                        <a:t>Mexico(IFETEL),Brazil(ANATEL),Ukraine(TEC+NSoC+RoHS),Ecuador(ARCOTEL),Nigeria(NCC),Morocco(ANRT),Azerbaijan(ARRVITN),Argentina(ENACOM),Chile(SUBTEL),Uzbekistan(Uzbek),Zambia(ZICTA),India(BIS),Serbia(Kvatet),Moldova(INSM),South Africa(NRCS),Armenia/Belarus/Kazakhstan/Russian/Kyrgyzstan(CU)</a:t>
                       </a:r>
                     </a:p>
                   </a:txBody>
@@ -3372,7 +3329,7 @@
         </p:nvGraphicFramePr>
         <p:xfrm>
           <a:off x="0" y="3200400"/>
-          <a:ext cx="5768000" cy="914400"/>
+          <a:ext cx="914400" cy="914400"/>
         </p:xfrm>
         <a:graphic>
           <a:graphicData uri="http://schemas.openxmlformats.org/drawingml/2006/table">
@@ -3381,8 +3338,8 @@
                 <a:tableStyleId>{5C22544A-7EE6-4342-B048-85BDC9FD1C3A}</a:tableStyleId>
               </a:tblPr>
               <a:tblGrid>
-                <a:gridCol w="852000"/>
-                <a:gridCol w="4916000"/>
+                <a:gridCol w="457200"/>
+                <a:gridCol w="457200"/>
               </a:tblGrid>
               <a:tr h="304800">
                 <a:tc>
@@ -3390,9 +3347,7 @@
                     <a:bodyPr/>
                     <a:lstStyle/>
                     <a:p>
-                      <a:pPr algn="ctr">
-                        <a:defRPr sz="1000"/>
-                      </a:pPr>
+                      <a:pPr algn="ctr"/>
                     </a:p>
                   </a:txBody>
                   <a:tcPr anchor="ctr">
@@ -3430,9 +3385,7 @@
                     <a:bodyPr/>
                     <a:lstStyle/>
                     <a:p>
-                      <a:pPr algn="ctr">
-                        <a:defRPr sz="1000"/>
-                      </a:pPr>
+                      <a:pPr algn="ctr"/>
                       <a:r>
                         <a:t>PPE</a:t>
                       </a:r>
@@ -3475,9 +3428,7 @@
                     <a:bodyPr/>
                     <a:lstStyle/>
                     <a:p>
-                      <a:pPr algn="ctr">
-                        <a:defRPr sz="1000"/>
-                      </a:pPr>
+                      <a:pPr algn="ctr"/>
                       <a:r>
                         <a:t>(WWAN)</a:t>
                       </a:r>
@@ -3518,17 +3469,13 @@
                     <a:bodyPr/>
                     <a:lstStyle/>
                     <a:p>
-                      <a:pPr algn="ctr">
-                        <a:defRPr sz="1000"/>
-                      </a:pPr>
+                      <a:pPr algn="ctr"/>
                       <a:r>
                         <a:t>6</a:t>
                       </a:r>
                     </a:p>
                     <a:p>
-                      <a:pPr algn="ctr">
-                        <a:defRPr sz="1000"/>
-                      </a:pPr>
+                      <a:pPr algn="ctr"/>
                       <a:r>
                         <a:t>Jordan(TRC (RTN)),China(NAL)
 </a:t>
@@ -3580,9 +3527,7 @@
                     <a:bodyPr/>
                     <a:lstStyle/>
                     <a:p>
-                      <a:pPr algn="ctr">
-                        <a:defRPr sz="1000"/>
-                      </a:pPr>
+                      <a:pPr algn="ctr"/>
                       <a:r>
                         <a:t>RFID</a:t>
                       </a:r>
@@ -3623,17 +3568,13 @@
                     <a:bodyPr/>
                     <a:lstStyle/>
                     <a:p>
-                      <a:pPr algn="ctr">
-                        <a:defRPr sz="1000"/>
-                      </a:pPr>
+                      <a:pPr algn="ctr"/>
                       <a:r>
                         <a:t>17</a:t>
                       </a:r>
                     </a:p>
                     <a:p>
-                      <a:pPr algn="ctr">
-                        <a:defRPr sz="1000"/>
-                      </a:pPr>
+                      <a:pPr algn="ctr"/>
                       <a:r>
                         <a:t>Lebanon(TRA/MoT),India(DoT (China))
 </a:t>

--- a/pptx/result/tmp.pptx
+++ b/pptx/result/tmp.pptx
@@ -3132,7 +3132,7 @@
         </p:nvGraphicFramePr>
         <p:xfrm>
           <a:off x="0" y="0"/>
-          <a:ext cx="458470" cy="914400"/>
+          <a:ext cx="3886200" cy="914400"/>
         </p:xfrm>
         <a:graphic>
           <a:graphicData uri="http://schemas.openxmlformats.org/drawingml/2006/table">
@@ -3141,8 +3141,8 @@
                 <a:tableStyleId>{5C22544A-7EE6-4342-B048-85BDC9FD1C3A}</a:tableStyleId>
               </a:tblPr>
               <a:tblGrid>
-                <a:gridCol w="457200"/>
-                <a:gridCol w="1270"/>
+                <a:gridCol w="838200"/>
+                <a:gridCol w="3048000"/>
               </a:tblGrid>
               <a:tr h="457200">
                 <a:tc>
@@ -3150,7 +3150,9 @@
                     <a:bodyPr/>
                     <a:lstStyle/>
                     <a:p>
-                      <a:pPr algn="ctr"/>
+                      <a:pPr algn="ctr">
+                        <a:defRPr sz="1000"/>
+                      </a:pPr>
                     </a:p>
                   </a:txBody>
                   <a:tcPr anchor="ctr">
@@ -3188,7 +3190,9 @@
                     <a:bodyPr/>
                     <a:lstStyle/>
                     <a:p>
-                      <a:pPr algn="ctr"/>
+                      <a:pPr algn="ctr">
+                        <a:defRPr sz="1000"/>
+                      </a:pPr>
                       <a:r>
                         <a:t>PPE</a:t>
                       </a:r>
@@ -3231,7 +3235,9 @@
                     <a:bodyPr/>
                     <a:lstStyle/>
                     <a:p>
-                      <a:pPr algn="ctr"/>
+                      <a:pPr algn="ctr">
+                        <a:defRPr sz="1000"/>
+                      </a:pPr>
                       <a:r>
                         <a:t>System</a:t>
                       </a:r>
@@ -3272,15 +3278,52 @@
                     <a:bodyPr/>
                     <a:lstStyle/>
                     <a:p>
-                      <a:pPr algn="ctr"/>
+                      <a:pPr algn="ctr">
+                        <a:defRPr sz="1000"/>
+                      </a:pPr>
                       <a:r>
                         <a:t>20</a:t>
                       </a:r>
                     </a:p>
                     <a:p>
-                      <a:pPr algn="ctr"/>
+                      <a:pPr algn="ctr">
+                        <a:defRPr sz="1000"/>
+                      </a:pPr>
                       <a:r>
-                        <a:t>Mexico(IFETEL),Brazil(ANATEL),Ukraine(TEC+NSoC+RoHS),Ecuador(ARCOTEL),Nigeria(NCC),Morocco(ANRT),Azerbaijan(ARRVITN),Argentina(ENACOM),Chile(SUBTEL),Uzbekistan(Uzbek),Zambia(ZICTA),India(BIS),Serbia(Kvatet),Moldova(INSM),South Africa(NRCS),Armenia/Belarus/Kazakhstan/Russian/Kyrgyzstan(CU)</a:t>
+                        <a:t>Mexico(IFETEL),Brazil(ANATEL)
+</a:t>
+                      </a:r>
+                      <a:r>
+                        <a:t>,Ukraine(TEC+NSoC+RoHS)
+</a:t>
+                      </a:r>
+                      <a:r>
+                        <a:t>,Ecuador(ARCOTEL),Nigeria(NCC)
+</a:t>
+                      </a:r>
+                      <a:r>
+                        <a:t>,Morocco(ANRT),Azerbaijan(ARRVITN)
+</a:t>
+                      </a:r>
+                      <a:r>
+                        <a:t>,Argentina(ENACOM),Chile(SUBTEL)
+</a:t>
+                      </a:r>
+                      <a:r>
+                        <a:t>,Uzbekistan(Uzbek),Zambia(ZICTA)
+</a:t>
+                      </a:r>
+                      <a:r>
+                        <a:t>,India(BIS),Serbia(Kvatet)
+</a:t>
+                      </a:r>
+                      <a:r>
+                        <a:t>,Moldova(INSM),South Africa(NRCS)
+</a:t>
+                      </a:r>
+                      <a:r>
+                        <a:t>,Armenia/Belarus/Kazakhstan/Russian/Kyrgyzstan(CU)
+</a:t>
                       </a:r>
                     </a:p>
                   </a:txBody>
@@ -3329,7 +3372,7 @@
         </p:nvGraphicFramePr>
         <p:xfrm>
           <a:off x="0" y="3200400"/>
-          <a:ext cx="914400" cy="914400"/>
+          <a:ext cx="3886200" cy="914400"/>
         </p:xfrm>
         <a:graphic>
           <a:graphicData uri="http://schemas.openxmlformats.org/drawingml/2006/table">
@@ -3338,8 +3381,8 @@
                 <a:tableStyleId>{5C22544A-7EE6-4342-B048-85BDC9FD1C3A}</a:tableStyleId>
               </a:tblPr>
               <a:tblGrid>
-                <a:gridCol w="457200"/>
-                <a:gridCol w="457200"/>
+                <a:gridCol w="838200"/>
+                <a:gridCol w="3048000"/>
               </a:tblGrid>
               <a:tr h="304800">
                 <a:tc>
@@ -3347,7 +3390,9 @@
                     <a:bodyPr/>
                     <a:lstStyle/>
                     <a:p>
-                      <a:pPr algn="ctr"/>
+                      <a:pPr algn="ctr">
+                        <a:defRPr sz="1000"/>
+                      </a:pPr>
                     </a:p>
                   </a:txBody>
                   <a:tcPr anchor="ctr">
@@ -3385,7 +3430,9 @@
                     <a:bodyPr/>
                     <a:lstStyle/>
                     <a:p>
-                      <a:pPr algn="ctr"/>
+                      <a:pPr algn="ctr">
+                        <a:defRPr sz="1000"/>
+                      </a:pPr>
                       <a:r>
                         <a:t>PPE</a:t>
                       </a:r>
@@ -3428,7 +3475,9 @@
                     <a:bodyPr/>
                     <a:lstStyle/>
                     <a:p>
-                      <a:pPr algn="ctr"/>
+                      <a:pPr algn="ctr">
+                        <a:defRPr sz="1000"/>
+                      </a:pPr>
                       <a:r>
                         <a:t>(WWAN)</a:t>
                       </a:r>
@@ -3469,13 +3518,17 @@
                     <a:bodyPr/>
                     <a:lstStyle/>
                     <a:p>
-                      <a:pPr algn="ctr"/>
+                      <a:pPr algn="ctr">
+                        <a:defRPr sz="1000"/>
+                      </a:pPr>
                       <a:r>
                         <a:t>6</a:t>
                       </a:r>
                     </a:p>
                     <a:p>
-                      <a:pPr algn="ctr"/>
+                      <a:pPr algn="ctr">
+                        <a:defRPr sz="1000"/>
+                      </a:pPr>
                       <a:r>
                         <a:t>Jordan(TRC (RTN)),China(NAL)
 </a:t>
@@ -3527,7 +3580,9 @@
                     <a:bodyPr/>
                     <a:lstStyle/>
                     <a:p>
-                      <a:pPr algn="ctr"/>
+                      <a:pPr algn="ctr">
+                        <a:defRPr sz="1000"/>
+                      </a:pPr>
                       <a:r>
                         <a:t>RFID</a:t>
                       </a:r>
@@ -3568,13 +3623,17 @@
                     <a:bodyPr/>
                     <a:lstStyle/>
                     <a:p>
-                      <a:pPr algn="ctr"/>
+                      <a:pPr algn="ctr">
+                        <a:defRPr sz="1000"/>
+                      </a:pPr>
                       <a:r>
                         <a:t>17</a:t>
                       </a:r>
                     </a:p>
                     <a:p>
-                      <a:pPr algn="ctr"/>
+                      <a:pPr algn="ctr">
+                        <a:defRPr sz="1000"/>
+                      </a:pPr>
                       <a:r>
                         <a:t>Lebanon(TRA/MoT),India(DoT (China))
 </a:t>

--- a/pptx/result/tmp.pptx
+++ b/pptx/result/tmp.pptx
@@ -3164,24 +3164,36 @@
                         <a:srgbClr val="444444"/>
                       </a:solidFill>
                       <a:prstDash val="solid"/>
+                      <a:round/>
+                      <a:headEnd type="none" w="med" len="med"/>
+                      <a:tailEnd type="none" w="med" len="med"/>
                     </a:lnL>
                     <a:lnR w="12700" cap="flat" cmpd="sng" algn="ctr">
                       <a:solidFill>
                         <a:srgbClr val="444444"/>
                       </a:solidFill>
                       <a:prstDash val="solid"/>
+                      <a:round/>
+                      <a:headEnd type="none" w="med" len="med"/>
+                      <a:tailEnd type="none" w="med" len="med"/>
                     </a:lnR>
                     <a:lnT w="12700" cap="flat" cmpd="sng" algn="ctr">
                       <a:solidFill>
                         <a:srgbClr val="444444"/>
                       </a:solidFill>
                       <a:prstDash val="solid"/>
+                      <a:round/>
+                      <a:headEnd type="none" w="med" len="med"/>
+                      <a:tailEnd type="none" w="med" len="med"/>
                     </a:lnT>
                     <a:lnB w="12700" cap="flat" cmpd="sng" algn="ctr">
                       <a:solidFill>
                         <a:srgbClr val="444444"/>
                       </a:solidFill>
                       <a:prstDash val="solid"/>
+                      <a:round/>
+                      <a:headEnd type="none" w="med" len="med"/>
+                      <a:tailEnd type="none" w="med" len="med"/>
                     </a:lnB>
                   </a:tcPr>
                 </a:tc>
@@ -3207,24 +3219,36 @@
                         <a:srgbClr val="444444"/>
                       </a:solidFill>
                       <a:prstDash val="solid"/>
+                      <a:round/>
+                      <a:headEnd type="none" w="med" len="med"/>
+                      <a:tailEnd type="none" w="med" len="med"/>
                     </a:lnL>
                     <a:lnR w="12700" cap="flat" cmpd="sng" algn="ctr">
                       <a:solidFill>
                         <a:srgbClr val="444444"/>
                       </a:solidFill>
                       <a:prstDash val="solid"/>
+                      <a:round/>
+                      <a:headEnd type="none" w="med" len="med"/>
+                      <a:tailEnd type="none" w="med" len="med"/>
                     </a:lnR>
                     <a:lnT w="12700" cap="flat" cmpd="sng" algn="ctr">
                       <a:solidFill>
                         <a:srgbClr val="444444"/>
                       </a:solidFill>
                       <a:prstDash val="solid"/>
+                      <a:round/>
+                      <a:headEnd type="none" w="med" len="med"/>
+                      <a:tailEnd type="none" w="med" len="med"/>
                     </a:lnT>
                     <a:lnB w="12700" cap="flat" cmpd="sng" algn="ctr">
                       <a:solidFill>
                         <a:srgbClr val="444444"/>
                       </a:solidFill>
                       <a:prstDash val="solid"/>
+                      <a:round/>
+                      <a:headEnd type="none" w="med" len="med"/>
+                      <a:tailEnd type="none" w="med" len="med"/>
                     </a:lnB>
                   </a:tcPr>
                 </a:tc>
@@ -3252,24 +3276,36 @@
                         <a:srgbClr val="444444"/>
                       </a:solidFill>
                       <a:prstDash val="solid"/>
+                      <a:round/>
+                      <a:headEnd type="none" w="med" len="med"/>
+                      <a:tailEnd type="none" w="med" len="med"/>
                     </a:lnL>
                     <a:lnR w="12700" cap="flat" cmpd="sng" algn="ctr">
                       <a:solidFill>
                         <a:srgbClr val="444444"/>
                       </a:solidFill>
                       <a:prstDash val="solid"/>
+                      <a:round/>
+                      <a:headEnd type="none" w="med" len="med"/>
+                      <a:tailEnd type="none" w="med" len="med"/>
                     </a:lnR>
                     <a:lnT w="12700" cap="flat" cmpd="sng" algn="ctr">
                       <a:solidFill>
                         <a:srgbClr val="444444"/>
                       </a:solidFill>
                       <a:prstDash val="solid"/>
+                      <a:round/>
+                      <a:headEnd type="none" w="med" len="med"/>
+                      <a:tailEnd type="none" w="med" len="med"/>
                     </a:lnT>
                     <a:lnB w="12700" cap="flat" cmpd="sng" algn="ctr">
                       <a:solidFill>
                         <a:srgbClr val="444444"/>
                       </a:solidFill>
                       <a:prstDash val="solid"/>
+                      <a:round/>
+                      <a:headEnd type="none" w="med" len="med"/>
+                      <a:tailEnd type="none" w="med" len="med"/>
                     </a:lnB>
                   </a:tcPr>
                 </a:tc>
@@ -3336,24 +3372,36 @@
                         <a:srgbClr val="444444"/>
                       </a:solidFill>
                       <a:prstDash val="solid"/>
+                      <a:round/>
+                      <a:headEnd type="none" w="med" len="med"/>
+                      <a:tailEnd type="none" w="med" len="med"/>
                     </a:lnL>
                     <a:lnR w="12700" cap="flat" cmpd="sng" algn="ctr">
                       <a:solidFill>
                         <a:srgbClr val="444444"/>
                       </a:solidFill>
                       <a:prstDash val="solid"/>
+                      <a:round/>
+                      <a:headEnd type="none" w="med" len="med"/>
+                      <a:tailEnd type="none" w="med" len="med"/>
                     </a:lnR>
                     <a:lnT w="12700" cap="flat" cmpd="sng" algn="ctr">
                       <a:solidFill>
                         <a:srgbClr val="444444"/>
                       </a:solidFill>
                       <a:prstDash val="solid"/>
+                      <a:round/>
+                      <a:headEnd type="none" w="med" len="med"/>
+                      <a:tailEnd type="none" w="med" len="med"/>
                     </a:lnT>
                     <a:lnB w="12700" cap="flat" cmpd="sng" algn="ctr">
                       <a:solidFill>
                         <a:srgbClr val="444444"/>
                       </a:solidFill>
                       <a:prstDash val="solid"/>
+                      <a:round/>
+                      <a:headEnd type="none" w="med" len="med"/>
+                      <a:tailEnd type="none" w="med" len="med"/>
                     </a:lnB>
                   </a:tcPr>
                 </a:tc>
@@ -3396,33 +3444,45 @@
                     </a:p>
                   </a:txBody>
                   <a:tcPr anchor="ctr">
-                    <a:solidFill>
-                      <a:srgbClr val="0085C3"/>
-                    </a:solidFill>
                     <a:lnL w="12700" cap="flat" cmpd="sng" algn="ctr">
                       <a:solidFill>
                         <a:srgbClr val="444444"/>
                       </a:solidFill>
                       <a:prstDash val="solid"/>
+                      <a:round/>
+                      <a:headEnd type="none" w="med" len="med"/>
+                      <a:tailEnd type="none" w="med" len="med"/>
                     </a:lnL>
                     <a:lnR w="12700" cap="flat" cmpd="sng" algn="ctr">
                       <a:solidFill>
                         <a:srgbClr val="444444"/>
                       </a:solidFill>
                       <a:prstDash val="solid"/>
+                      <a:round/>
+                      <a:headEnd type="none" w="med" len="med"/>
+                      <a:tailEnd type="none" w="med" len="med"/>
                     </a:lnR>
                     <a:lnT w="12700" cap="flat" cmpd="sng" algn="ctr">
                       <a:solidFill>
                         <a:srgbClr val="444444"/>
                       </a:solidFill>
                       <a:prstDash val="solid"/>
+                      <a:round/>
+                      <a:headEnd type="none" w="med" len="med"/>
+                      <a:tailEnd type="none" w="med" len="med"/>
                     </a:lnT>
                     <a:lnB w="12700" cap="flat" cmpd="sng" algn="ctr">
                       <a:solidFill>
                         <a:srgbClr val="444444"/>
                       </a:solidFill>
                       <a:prstDash val="solid"/>
+                      <a:round/>
+                      <a:headEnd type="none" w="med" len="med"/>
+                      <a:tailEnd type="none" w="med" len="med"/>
                     </a:lnB>
+                    <a:solidFill>
+                      <a:srgbClr val="0085C3"/>
+                    </a:solidFill>
                   </a:tcPr>
                 </a:tc>
                 <a:tc>
@@ -3439,33 +3499,45 @@
                     </a:p>
                   </a:txBody>
                   <a:tcPr anchor="ctr">
-                    <a:solidFill>
-                      <a:srgbClr val="0085C3"/>
-                    </a:solidFill>
                     <a:lnL w="12700" cap="flat" cmpd="sng" algn="ctr">
                       <a:solidFill>
                         <a:srgbClr val="444444"/>
                       </a:solidFill>
                       <a:prstDash val="solid"/>
+                      <a:round/>
+                      <a:headEnd type="none" w="med" len="med"/>
+                      <a:tailEnd type="none" w="med" len="med"/>
                     </a:lnL>
                     <a:lnR w="12700" cap="flat" cmpd="sng" algn="ctr">
                       <a:solidFill>
                         <a:srgbClr val="444444"/>
                       </a:solidFill>
                       <a:prstDash val="solid"/>
+                      <a:round/>
+                      <a:headEnd type="none" w="med" len="med"/>
+                      <a:tailEnd type="none" w="med" len="med"/>
                     </a:lnR>
                     <a:lnT w="12700" cap="flat" cmpd="sng" algn="ctr">
                       <a:solidFill>
                         <a:srgbClr val="444444"/>
                       </a:solidFill>
                       <a:prstDash val="solid"/>
+                      <a:round/>
+                      <a:headEnd type="none" w="med" len="med"/>
+                      <a:tailEnd type="none" w="med" len="med"/>
                     </a:lnT>
                     <a:lnB w="12700" cap="flat" cmpd="sng" algn="ctr">
                       <a:solidFill>
                         <a:srgbClr val="444444"/>
                       </a:solidFill>
                       <a:prstDash val="solid"/>
+                      <a:round/>
+                      <a:headEnd type="none" w="med" len="med"/>
+                      <a:tailEnd type="none" w="med" len="med"/>
                     </a:lnB>
+                    <a:solidFill>
+                      <a:srgbClr val="0085C3"/>
+                    </a:solidFill>
                   </a:tcPr>
                 </a:tc>
               </a:tr>
@@ -3484,33 +3556,45 @@
                     </a:p>
                   </a:txBody>
                   <a:tcPr anchor="ctr">
-                    <a:solidFill>
-                      <a:srgbClr val="FFFFFF"/>
-                    </a:solidFill>
                     <a:lnL w="12700" cap="flat" cmpd="sng" algn="ctr">
                       <a:solidFill>
                         <a:srgbClr val="444444"/>
                       </a:solidFill>
                       <a:prstDash val="solid"/>
+                      <a:round/>
+                      <a:headEnd type="none" w="med" len="med"/>
+                      <a:tailEnd type="none" w="med" len="med"/>
                     </a:lnL>
                     <a:lnR w="12700" cap="flat" cmpd="sng" algn="ctr">
                       <a:solidFill>
                         <a:srgbClr val="444444"/>
                       </a:solidFill>
                       <a:prstDash val="solid"/>
+                      <a:round/>
+                      <a:headEnd type="none" w="med" len="med"/>
+                      <a:tailEnd type="none" w="med" len="med"/>
                     </a:lnR>
                     <a:lnT w="12700" cap="flat" cmpd="sng" algn="ctr">
                       <a:solidFill>
                         <a:srgbClr val="444444"/>
                       </a:solidFill>
                       <a:prstDash val="solid"/>
+                      <a:round/>
+                      <a:headEnd type="none" w="med" len="med"/>
+                      <a:tailEnd type="none" w="med" len="med"/>
                     </a:lnT>
                     <a:lnB w="12700" cap="flat" cmpd="sng" algn="ctr">
                       <a:solidFill>
                         <a:srgbClr val="444444"/>
                       </a:solidFill>
                       <a:prstDash val="solid"/>
+                      <a:round/>
+                      <a:headEnd type="none" w="med" len="med"/>
+                      <a:tailEnd type="none" w="med" len="med"/>
                     </a:lnB>
+                    <a:solidFill>
+                      <a:srgbClr val="FFFFFF"/>
+                    </a:solidFill>
                   </a:tcPr>
                 </a:tc>
                 <a:tc>
@@ -3544,33 +3628,45 @@
                     </a:p>
                   </a:txBody>
                   <a:tcPr anchor="ctr">
-                    <a:solidFill>
-                      <a:srgbClr val="FFFFFF"/>
-                    </a:solidFill>
                     <a:lnL w="12700" cap="flat" cmpd="sng" algn="ctr">
                       <a:solidFill>
                         <a:srgbClr val="444444"/>
                       </a:solidFill>
                       <a:prstDash val="solid"/>
+                      <a:round/>
+                      <a:headEnd type="none" w="med" len="med"/>
+                      <a:tailEnd type="none" w="med" len="med"/>
                     </a:lnL>
                     <a:lnR w="12700" cap="flat" cmpd="sng" algn="ctr">
                       <a:solidFill>
                         <a:srgbClr val="444444"/>
                       </a:solidFill>
                       <a:prstDash val="solid"/>
+                      <a:round/>
+                      <a:headEnd type="none" w="med" len="med"/>
+                      <a:tailEnd type="none" w="med" len="med"/>
                     </a:lnR>
                     <a:lnT w="12700" cap="flat" cmpd="sng" algn="ctr">
                       <a:solidFill>
                         <a:srgbClr val="444444"/>
                       </a:solidFill>
                       <a:prstDash val="solid"/>
+                      <a:round/>
+                      <a:headEnd type="none" w="med" len="med"/>
+                      <a:tailEnd type="none" w="med" len="med"/>
                     </a:lnT>
                     <a:lnB w="12700" cap="flat" cmpd="sng" algn="ctr">
                       <a:solidFill>
                         <a:srgbClr val="444444"/>
                       </a:solidFill>
                       <a:prstDash val="solid"/>
+                      <a:round/>
+                      <a:headEnd type="none" w="med" len="med"/>
+                      <a:tailEnd type="none" w="med" len="med"/>
                     </a:lnB>
+                    <a:solidFill>
+                      <a:srgbClr val="FFFFFF"/>
+                    </a:solidFill>
                   </a:tcPr>
                 </a:tc>
               </a:tr>
@@ -3589,33 +3685,45 @@
                     </a:p>
                   </a:txBody>
                   <a:tcPr anchor="ctr">
-                    <a:solidFill>
-                      <a:srgbClr val="FFFFFF"/>
-                    </a:solidFill>
                     <a:lnL w="12700" cap="flat" cmpd="sng" algn="ctr">
                       <a:solidFill>
                         <a:srgbClr val="444444"/>
                       </a:solidFill>
                       <a:prstDash val="solid"/>
+                      <a:round/>
+                      <a:headEnd type="none" w="med" len="med"/>
+                      <a:tailEnd type="none" w="med" len="med"/>
                     </a:lnL>
                     <a:lnR w="12700" cap="flat" cmpd="sng" algn="ctr">
                       <a:solidFill>
                         <a:srgbClr val="444444"/>
                       </a:solidFill>
                       <a:prstDash val="solid"/>
+                      <a:round/>
+                      <a:headEnd type="none" w="med" len="med"/>
+                      <a:tailEnd type="none" w="med" len="med"/>
                     </a:lnR>
                     <a:lnT w="12700" cap="flat" cmpd="sng" algn="ctr">
                       <a:solidFill>
                         <a:srgbClr val="444444"/>
                       </a:solidFill>
                       <a:prstDash val="solid"/>
+                      <a:round/>
+                      <a:headEnd type="none" w="med" len="med"/>
+                      <a:tailEnd type="none" w="med" len="med"/>
                     </a:lnT>
                     <a:lnB w="12700" cap="flat" cmpd="sng" algn="ctr">
                       <a:solidFill>
                         <a:srgbClr val="444444"/>
                       </a:solidFill>
                       <a:prstDash val="solid"/>
+                      <a:round/>
+                      <a:headEnd type="none" w="med" len="med"/>
+                      <a:tailEnd type="none" w="med" len="med"/>
                     </a:lnB>
+                    <a:solidFill>
+                      <a:srgbClr val="FFFFFF"/>
+                    </a:solidFill>
                   </a:tcPr>
                 </a:tc>
                 <a:tc>
@@ -3673,33 +3781,45 @@
                     </a:p>
                   </a:txBody>
                   <a:tcPr anchor="ctr">
-                    <a:solidFill>
-                      <a:srgbClr val="FFFFFF"/>
-                    </a:solidFill>
                     <a:lnL w="12700" cap="flat" cmpd="sng" algn="ctr">
                       <a:solidFill>
                         <a:srgbClr val="444444"/>
                       </a:solidFill>
                       <a:prstDash val="solid"/>
+                      <a:round/>
+                      <a:headEnd type="none" w="med" len="med"/>
+                      <a:tailEnd type="none" w="med" len="med"/>
                     </a:lnL>
                     <a:lnR w="12700" cap="flat" cmpd="sng" algn="ctr">
                       <a:solidFill>
                         <a:srgbClr val="444444"/>
                       </a:solidFill>
                       <a:prstDash val="solid"/>
+                      <a:round/>
+                      <a:headEnd type="none" w="med" len="med"/>
+                      <a:tailEnd type="none" w="med" len="med"/>
                     </a:lnR>
                     <a:lnT w="12700" cap="flat" cmpd="sng" algn="ctr">
                       <a:solidFill>
                         <a:srgbClr val="444444"/>
                       </a:solidFill>
                       <a:prstDash val="solid"/>
+                      <a:round/>
+                      <a:headEnd type="none" w="med" len="med"/>
+                      <a:tailEnd type="none" w="med" len="med"/>
                     </a:lnT>
                     <a:lnB w="12700" cap="flat" cmpd="sng" algn="ctr">
                       <a:solidFill>
                         <a:srgbClr val="444444"/>
                       </a:solidFill>
                       <a:prstDash val="solid"/>
+                      <a:round/>
+                      <a:headEnd type="none" w="med" len="med"/>
+                      <a:tailEnd type="none" w="med" len="med"/>
                     </a:lnB>
+                    <a:solidFill>
+                      <a:srgbClr val="FFFFFF"/>
+                    </a:solidFill>
                   </a:tcPr>
                 </a:tc>
               </a:tr>

--- a/pptx/result/tmp.pptx
+++ b/pptx/result/tmp.pptx
@@ -3546,6 +3546,14 @@
                   <a:txBody>
                     <a:bodyPr/>
                     <a:lstStyle/>
+                    <a:p>
+                      <a:pPr algn="ctr">
+                        <a:defRPr sz="1000"/>
+                      </a:pPr>
+                      <a:r>
+                        <a:t>T77W968</a:t>
+                      </a:r>
+                    </a:p>
                     <a:p>
                       <a:pPr algn="ctr">
                         <a:defRPr sz="1000"/>

--- a/pptx/result/tmp.pptx
+++ b/pptx/result/tmp.pptx
@@ -3122,16 +3122,44 @@
           <a:p/>
         </p:txBody>
       </p:sp>
+      <p:sp>
+        <p:nvSpPr>
+          <p:cNvPr id="4" name="TextBox 3"/>
+          <p:cNvSpPr txBox="1"/>
+          <p:nvPr/>
+        </p:nvSpPr>
+        <p:spPr>
+          <a:xfrm>
+            <a:off x="914400" y="914400"/>
+            <a:ext cx="914400" cy="914400"/>
+          </a:xfrm>
+          <a:prstGeom prst="rect">
+            <a:avLst/>
+          </a:prstGeom>
+          <a:noFill/>
+        </p:spPr>
+        <p:txBody>
+          <a:bodyPr wrap="none">
+            <a:spAutoFit/>
+          </a:bodyPr>
+          <a:lstStyle/>
+          <a:p>
+            <a:r>
+              <a:t>CarnoustieRegulatory status summary</a:t>
+            </a:r>
+          </a:p>
+        </p:txBody>
+      </p:sp>
       <p:graphicFrame>
         <p:nvGraphicFramePr>
-          <p:cNvPr id="4" name="Table 3"/>
+          <p:cNvPr id="5" name="Table 4"/>
           <p:cNvGraphicFramePr>
             <a:graphicFrameLocks noGrp="1"/>
           </p:cNvGraphicFramePr>
           <p:nvPr/>
         </p:nvGraphicFramePr>
         <p:xfrm>
-          <a:off x="0" y="0"/>
+          <a:off x="228600" y="914400"/>
           <a:ext cx="3886200" cy="914400"/>
         </p:xfrm>
         <a:graphic>
@@ -3412,7 +3440,7 @@
       </p:graphicFrame>
       <p:graphicFrame>
         <p:nvGraphicFramePr>
-          <p:cNvPr id="5" name="Table 4"/>
+          <p:cNvPr id="6" name="Table 5"/>
           <p:cNvGraphicFramePr>
             <a:graphicFrameLocks noGrp="1"/>
           </p:cNvGraphicFramePr>

--- a/pptx/result/tmp.pptx
+++ b/pptx/result/tmp.pptx
@@ -3130,8 +3130,8 @@
         </p:nvSpPr>
         <p:spPr>
           <a:xfrm>
-            <a:off x="914400" y="914400"/>
-            <a:ext cx="914400" cy="914400"/>
+            <a:off x="182880" y="457200"/>
+            <a:ext cx="5156118720000" cy="139354560000"/>
           </a:xfrm>
           <a:prstGeom prst="rect">
             <a:avLst/>
@@ -3139,11 +3139,15 @@
           <a:noFill/>
         </p:spPr>
         <p:txBody>
-          <a:bodyPr wrap="none">
+          <a:bodyPr wrap="square">
             <a:spAutoFit/>
           </a:bodyPr>
           <a:lstStyle/>
-          <a:p>
+          <a:p/>
+          <a:p>
+            <a:pPr>
+              <a:defRPr sz="1200"/>
+            </a:pPr>
             <a:r>
               <a:t>CarnoustieRegulatory status summary</a:t>
             </a:r>
@@ -3159,7 +3163,7 @@
           <p:nvPr/>
         </p:nvGraphicFramePr>
         <p:xfrm>
-          <a:off x="228600" y="914400"/>
+          <a:off x="182880" y="914400"/>
           <a:ext cx="3886200" cy="914400"/>
         </p:xfrm>
         <a:graphic>
@@ -3447,7 +3451,7 @@
           <p:nvPr/>
         </p:nvGraphicFramePr>
         <p:xfrm>
-          <a:off x="0" y="3200400"/>
+          <a:off x="182880" y="3200400"/>
           <a:ext cx="3886200" cy="914400"/>
         </p:xfrm>
         <a:graphic>
